--- a/Project Details/IR Presentation.pptx
+++ b/Project Details/IR Presentation.pptx
@@ -7,23 +7,22 @@
   <p:sldIdLst>
     <p:sldId id="256" r:id="rId2"/>
     <p:sldId id="257" r:id="rId3"/>
-    <p:sldId id="258" r:id="rId4"/>
-    <p:sldId id="259" r:id="rId5"/>
-    <p:sldId id="260" r:id="rId6"/>
-    <p:sldId id="261" r:id="rId7"/>
-    <p:sldId id="262" r:id="rId8"/>
-    <p:sldId id="266" r:id="rId9"/>
-    <p:sldId id="265" r:id="rId10"/>
-    <p:sldId id="264" r:id="rId11"/>
-    <p:sldId id="263" r:id="rId12"/>
-    <p:sldId id="267" r:id="rId13"/>
-    <p:sldId id="268" r:id="rId14"/>
-    <p:sldId id="269" r:id="rId15"/>
-    <p:sldId id="270" r:id="rId16"/>
-    <p:sldId id="271" r:id="rId17"/>
-    <p:sldId id="272" r:id="rId18"/>
-    <p:sldId id="273" r:id="rId19"/>
-    <p:sldId id="274" r:id="rId20"/>
+    <p:sldId id="259" r:id="rId4"/>
+    <p:sldId id="260" r:id="rId5"/>
+    <p:sldId id="261" r:id="rId6"/>
+    <p:sldId id="262" r:id="rId7"/>
+    <p:sldId id="266" r:id="rId8"/>
+    <p:sldId id="265" r:id="rId9"/>
+    <p:sldId id="264" r:id="rId10"/>
+    <p:sldId id="263" r:id="rId11"/>
+    <p:sldId id="267" r:id="rId12"/>
+    <p:sldId id="268" r:id="rId13"/>
+    <p:sldId id="269" r:id="rId14"/>
+    <p:sldId id="270" r:id="rId15"/>
+    <p:sldId id="271" r:id="rId16"/>
+    <p:sldId id="272" r:id="rId17"/>
+    <p:sldId id="273" r:id="rId18"/>
+    <p:sldId id="274" r:id="rId19"/>
   </p:sldIdLst>
   <p:sldSz cx="12192000" cy="6858000"/>
   <p:notesSz cx="6858000" cy="9144000"/>
@@ -122,6 +121,11 @@
       </a:defRPr>
     </a:lvl9pPr>
   </p:defaultTextStyle>
+  <p:extLst>
+    <p:ext uri="{EFAFB233-063F-42B5-8137-9DF3F51BA10A}">
+      <p15:sldGuideLst xmlns:p15="http://schemas.microsoft.com/office/powerpoint/2012/main"/>
+    </p:ext>
+  </p:extLst>
 </p:presentation>
 </file>
 
@@ -4408,7 +4412,7 @@
           <a:p>
             <a:fld id="{48A87A34-81AB-432B-8DAE-1953F412C126}" type="datetimeFigureOut">
               <a:rPr lang="en-US" dirty="0"/>
-              <a:t>11/21/2013</a:t>
+              <a:t>11/30/2013</a:t>
             </a:fld>
             <a:endParaRPr lang="en-US" dirty="0"/>
           </a:p>
@@ -4670,7 +4674,7 @@
           <a:p>
             <a:fld id="{48A87A34-81AB-432B-8DAE-1953F412C126}" type="datetimeFigureOut">
               <a:rPr lang="en-US" dirty="0"/>
-              <a:t>11/21/2013</a:t>
+              <a:t>11/30/2013</a:t>
             </a:fld>
             <a:endParaRPr lang="en-US" dirty="0"/>
           </a:p>
@@ -4861,7 +4865,7 @@
           <a:p>
             <a:fld id="{48A87A34-81AB-432B-8DAE-1953F412C126}" type="datetimeFigureOut">
               <a:rPr lang="en-US" dirty="0"/>
-              <a:t>11/21/2013</a:t>
+              <a:t>11/30/2013</a:t>
             </a:fld>
             <a:endParaRPr lang="en-US" dirty="0"/>
           </a:p>
@@ -5119,7 +5123,7 @@
           <a:p>
             <a:fld id="{48A87A34-81AB-432B-8DAE-1953F412C126}" type="datetimeFigureOut">
               <a:rPr lang="en-US" dirty="0"/>
-              <a:t>11/21/2013</a:t>
+              <a:t>11/30/2013</a:t>
             </a:fld>
             <a:endParaRPr lang="en-US" dirty="0"/>
           </a:p>
@@ -5548,7 +5552,7 @@
           <a:p>
             <a:fld id="{48A87A34-81AB-432B-8DAE-1953F412C126}" type="datetimeFigureOut">
               <a:rPr lang="en-US" dirty="0"/>
-              <a:t>11/21/2013</a:t>
+              <a:t>11/30/2013</a:t>
             </a:fld>
             <a:endParaRPr lang="en-US" dirty="0"/>
           </a:p>
@@ -6089,7 +6093,7 @@
           <a:p>
             <a:fld id="{48A87A34-81AB-432B-8DAE-1953F412C126}" type="datetimeFigureOut">
               <a:rPr lang="en-US" dirty="0"/>
-              <a:t>11/21/2013</a:t>
+              <a:t>11/30/2013</a:t>
             </a:fld>
             <a:endParaRPr lang="en-US" dirty="0"/>
           </a:p>
@@ -6804,7 +6808,7 @@
           <a:p>
             <a:fld id="{48A87A34-81AB-432B-8DAE-1953F412C126}" type="datetimeFigureOut">
               <a:rPr lang="en-US" dirty="0"/>
-              <a:t>11/21/2013</a:t>
+              <a:t>11/30/2013</a:t>
             </a:fld>
             <a:endParaRPr lang="en-US" dirty="0"/>
           </a:p>
@@ -6969,7 +6973,7 @@
           <a:p>
             <a:fld id="{48A87A34-81AB-432B-8DAE-1953F412C126}" type="datetimeFigureOut">
               <a:rPr lang="en-US" dirty="0"/>
-              <a:t>11/21/2013</a:t>
+              <a:t>11/30/2013</a:t>
             </a:fld>
             <a:endParaRPr lang="en-US" dirty="0"/>
           </a:p>
@@ -7144,7 +7148,7 @@
           <a:p>
             <a:fld id="{48A87A34-81AB-432B-8DAE-1953F412C126}" type="datetimeFigureOut">
               <a:rPr lang="en-US" dirty="0"/>
-              <a:t>11/21/2013</a:t>
+              <a:t>11/30/2013</a:t>
             </a:fld>
             <a:endParaRPr lang="en-US" dirty="0"/>
           </a:p>
@@ -7309,7 +7313,7 @@
           <a:p>
             <a:fld id="{48A87A34-81AB-432B-8DAE-1953F412C126}" type="datetimeFigureOut">
               <a:rPr lang="en-US" dirty="0"/>
-              <a:t>11/21/2013</a:t>
+              <a:t>11/30/2013</a:t>
             </a:fld>
             <a:endParaRPr lang="en-US" dirty="0"/>
           </a:p>
@@ -7554,7 +7558,7 @@
           <a:p>
             <a:fld id="{48A87A34-81AB-432B-8DAE-1953F412C126}" type="datetimeFigureOut">
               <a:rPr lang="en-US" dirty="0"/>
-              <a:t>11/21/2013</a:t>
+              <a:t>11/30/2013</a:t>
             </a:fld>
             <a:endParaRPr lang="en-US" dirty="0"/>
           </a:p>
@@ -7781,7 +7785,7 @@
           <a:p>
             <a:fld id="{48A87A34-81AB-432B-8DAE-1953F412C126}" type="datetimeFigureOut">
               <a:rPr lang="en-US" dirty="0"/>
-              <a:t>11/21/2013</a:t>
+              <a:t>11/30/2013</a:t>
             </a:fld>
             <a:endParaRPr lang="en-US" dirty="0"/>
           </a:p>
@@ -8157,7 +8161,7 @@
           <a:p>
             <a:fld id="{48A87A34-81AB-432B-8DAE-1953F412C126}" type="datetimeFigureOut">
               <a:rPr lang="en-US" dirty="0"/>
-              <a:t>11/21/2013</a:t>
+              <a:t>11/30/2013</a:t>
             </a:fld>
             <a:endParaRPr lang="en-US" dirty="0"/>
           </a:p>
@@ -8270,7 +8274,7 @@
           <a:p>
             <a:fld id="{48A87A34-81AB-432B-8DAE-1953F412C126}" type="datetimeFigureOut">
               <a:rPr lang="en-US" dirty="0"/>
-              <a:t>11/21/2013</a:t>
+              <a:t>11/30/2013</a:t>
             </a:fld>
             <a:endParaRPr lang="en-US" dirty="0"/>
           </a:p>
@@ -8360,7 +8364,7 @@
           <a:p>
             <a:fld id="{48A87A34-81AB-432B-8DAE-1953F412C126}" type="datetimeFigureOut">
               <a:rPr lang="en-US" dirty="0"/>
-              <a:t>11/21/2013</a:t>
+              <a:t>11/30/2013</a:t>
             </a:fld>
             <a:endParaRPr lang="en-US" dirty="0"/>
           </a:p>
@@ -8604,7 +8608,7 @@
           <a:p>
             <a:fld id="{48A87A34-81AB-432B-8DAE-1953F412C126}" type="datetimeFigureOut">
               <a:rPr lang="en-US" dirty="0"/>
-              <a:t>11/21/2013</a:t>
+              <a:t>11/30/2013</a:t>
             </a:fld>
             <a:endParaRPr lang="en-US" dirty="0"/>
           </a:p>
@@ -8879,7 +8883,7 @@
           <a:p>
             <a:fld id="{48A87A34-81AB-432B-8DAE-1953F412C126}" type="datetimeFigureOut">
               <a:rPr lang="en-US" dirty="0"/>
-              <a:t>11/21/2013</a:t>
+              <a:t>11/30/2013</a:t>
             </a:fld>
             <a:endParaRPr lang="en-US" dirty="0"/>
           </a:p>
@@ -11959,7 +11963,7 @@
             <a:fld id="{48A87A34-81AB-432B-8DAE-1953F412C126}" type="datetimeFigureOut">
               <a:rPr lang="en-US" dirty="0"/>
               <a:pPr/>
-              <a:t>11/21/2013</a:t>
+              <a:t>11/30/2013</a:t>
             </a:fld>
             <a:endParaRPr lang="en-US" dirty="0"/>
           </a:p>
@@ -12427,7 +12431,12 @@
             <p:ph type="ctrTitle"/>
           </p:nvPr>
         </p:nvSpPr>
-        <p:spPr/>
+        <p:spPr>
+          <a:xfrm>
+            <a:off x="1876424" y="415782"/>
+            <a:ext cx="8791575" cy="2387600"/>
+          </a:xfrm>
+        </p:spPr>
         <p:txBody>
           <a:bodyPr/>
           <a:lstStyle/>
@@ -12452,7 +12461,7 @@
         </p:nvSpPr>
         <p:spPr>
           <a:xfrm>
-            <a:off x="1876424" y="3602038"/>
+            <a:off x="1876423" y="2720889"/>
             <a:ext cx="8791575" cy="2622916"/>
           </a:xfrm>
         </p:spPr>
@@ -12497,6 +12506,145 @@
           </a:p>
         </p:txBody>
       </p:sp>
+      <p:sp>
+        <p:nvSpPr>
+          <p:cNvPr id="4" name="WordArt 2"/>
+          <p:cNvSpPr>
+            <a:spLocks noChangeArrowheads="1" noChangeShapeType="1" noTextEdit="1"/>
+          </p:cNvSpPr>
+          <p:nvPr/>
+        </p:nvSpPr>
+        <p:spPr bwMode="auto">
+          <a:xfrm>
+            <a:off x="9706840" y="6317029"/>
+            <a:ext cx="2171700" cy="269875"/>
+          </a:xfrm>
+          <a:prstGeom prst="rect">
+            <a:avLst/>
+          </a:prstGeom>
+          <a:extLst>
+            <a:ext uri="{AF507438-7753-43E0-B8FC-AC1667EBCBE1}">
+              <a14:hiddenEffects xmlns:a14="http://schemas.microsoft.com/office/drawing/2010/main">
+                <a:effectLst/>
+              </a14:hiddenEffects>
+            </a:ext>
+          </a:extLst>
+        </p:spPr>
+        <p:txBody>
+          <a:bodyPr wrap="none" fromWordArt="1">
+            <a:prstTxWarp prst="textPlain">
+              <a:avLst>
+                <a:gd name="adj" fmla="val 50000"/>
+              </a:avLst>
+            </a:prstTxWarp>
+          </a:bodyPr>
+          <a:lstStyle/>
+          <a:p>
+            <a:pPr algn="ctr" rtl="0">
+              <a:buNone/>
+            </a:pPr>
+            <a:r>
+              <a:rPr lang="en-US" sz="3600" kern="10" spc="0" smtClean="0">
+                <a:ln w="9525">
+                  <a:solidFill>
+                    <a:srgbClr val="000000"/>
+                  </a:solidFill>
+                  <a:round/>
+                  <a:headEnd/>
+                  <a:tailEnd/>
+                </a:ln>
+                <a:solidFill>
+                  <a:srgbClr val="FFFFFF"/>
+                </a:solidFill>
+                <a:effectLst/>
+                <a:latin typeface="Arial Black" panose="020B0A04020102020204" pitchFamily="34" charset="0"/>
+              </a:rPr>
+              <a:t>SignalSenders</a:t>
+            </a:r>
+            <a:endParaRPr lang="en-US" sz="3600" kern="10" spc="0">
+              <a:ln w="9525">
+                <a:solidFill>
+                  <a:srgbClr val="000000"/>
+                </a:solidFill>
+                <a:round/>
+                <a:headEnd/>
+                <a:tailEnd/>
+              </a:ln>
+              <a:solidFill>
+                <a:srgbClr val="FFFFFF"/>
+              </a:solidFill>
+              <a:effectLst/>
+              <a:latin typeface="Arial Black" panose="020B0A04020102020204" pitchFamily="34" charset="0"/>
+            </a:endParaRPr>
+          </a:p>
+        </p:txBody>
+      </p:sp>
+      <p:pic>
+        <p:nvPicPr>
+          <p:cNvPr id="1027" name="Picture 3" descr="PSU_white_screen"/>
+          <p:cNvPicPr>
+            <a:picLocks noChangeAspect="1" noChangeArrowheads="1"/>
+          </p:cNvPicPr>
+          <p:nvPr/>
+        </p:nvPicPr>
+        <p:blipFill>
+          <a:blip r:embed="rId2">
+            <a:extLst>
+              <a:ext uri="{28A0092B-C50C-407E-A947-70E740481C1C}">
+                <a14:useLocalDpi xmlns:a14="http://schemas.microsoft.com/office/drawing/2010/main" val="0"/>
+              </a:ext>
+            </a:extLst>
+          </a:blip>
+          <a:srcRect/>
+          <a:stretch>
+            <a:fillRect/>
+          </a:stretch>
+        </p:blipFill>
+        <p:spPr bwMode="auto">
+          <a:xfrm>
+            <a:off x="5374437" y="4141765"/>
+            <a:ext cx="5065956" cy="1125768"/>
+          </a:xfrm>
+          <a:prstGeom prst="rect">
+            <a:avLst/>
+          </a:prstGeom>
+          <a:gradFill>
+            <a:gsLst>
+              <a:gs pos="0">
+                <a:schemeClr val="accent1">
+                  <a:lumMod val="5000"/>
+                  <a:lumOff val="95000"/>
+                </a:schemeClr>
+              </a:gs>
+              <a:gs pos="74000">
+                <a:schemeClr val="accent1">
+                  <a:lumMod val="45000"/>
+                  <a:lumOff val="55000"/>
+                </a:schemeClr>
+              </a:gs>
+              <a:gs pos="83000">
+                <a:schemeClr val="accent1">
+                  <a:lumMod val="45000"/>
+                  <a:lumOff val="55000"/>
+                </a:schemeClr>
+              </a:gs>
+              <a:gs pos="100000">
+                <a:schemeClr val="accent1">
+                  <a:lumMod val="30000"/>
+                  <a:lumOff val="70000"/>
+                </a:schemeClr>
+              </a:gs>
+            </a:gsLst>
+            <a:lin ang="5400000" scaled="1"/>
+          </a:gradFill>
+          <a:ln>
+            <a:noFill/>
+          </a:ln>
+          <a:effectLst>
+            <a:softEdge rad="0"/>
+          </a:effectLst>
+        </p:spPr>
+      </p:pic>
     </p:spTree>
     <p:extLst>
       <p:ext uri="{BB962C8B-B14F-4D97-AF65-F5344CB8AC3E}">
@@ -12551,7 +12699,14 @@
           <a:p>
             <a:r>
               <a:rPr lang="en-US" dirty="0" smtClean="0"/>
-              <a:t>Radio frequency Communication</a:t>
+              <a:t>Microcontroller</a:t>
+            </a:r>
+            <a:br>
+              <a:rPr lang="en-US" dirty="0" smtClean="0"/>
+            </a:br>
+            <a:r>
+              <a:rPr lang="en-US" dirty="0" smtClean="0"/>
+              <a:t>Programming</a:t>
             </a:r>
             <a:endParaRPr lang="en-US" dirty="0"/>
           </a:p>
@@ -12592,7 +12747,7 @@
             </a:pPr>
             <a:r>
               <a:rPr lang="en-US" sz="3200" dirty="0" smtClean="0"/>
-              <a:t>Communication to send</a:t>
+              <a:t>Choice of Microcontroller</a:t>
             </a:r>
           </a:p>
           <a:p>
@@ -12602,20 +12757,99 @@
             </a:pPr>
             <a:r>
               <a:rPr lang="en-US" sz="3200" dirty="0" smtClean="0"/>
-              <a:t>Communication to </a:t>
-            </a:r>
-            <a:r>
-              <a:rPr lang="en-US" sz="3200" dirty="0" err="1" smtClean="0"/>
-              <a:t>recieve</a:t>
+              <a:t>Programming</a:t>
+            </a:r>
+          </a:p>
+          <a:p>
+            <a:pPr marL="285750" indent="-285750">
+              <a:buFont typeface="Arial" panose="020B0604020202020204" pitchFamily="34" charset="0"/>
+              <a:buChar char="•"/>
+            </a:pPr>
+            <a:r>
+              <a:rPr lang="en-US" sz="3200" dirty="0" smtClean="0"/>
+              <a:t>Interface??</a:t>
             </a:r>
             <a:endParaRPr lang="en-US" sz="3200" dirty="0"/>
+          </a:p>
+        </p:txBody>
+      </p:sp>
+      <p:sp>
+        <p:nvSpPr>
+          <p:cNvPr id="5" name="WordArt 2"/>
+          <p:cNvSpPr>
+            <a:spLocks noChangeArrowheads="1" noChangeShapeType="1" noTextEdit="1"/>
+          </p:cNvSpPr>
+          <p:nvPr/>
+        </p:nvSpPr>
+        <p:spPr bwMode="auto">
+          <a:xfrm>
+            <a:off x="9706840" y="6317029"/>
+            <a:ext cx="2171700" cy="269875"/>
+          </a:xfrm>
+          <a:prstGeom prst="rect">
+            <a:avLst/>
+          </a:prstGeom>
+          <a:extLst>
+            <a:ext uri="{AF507438-7753-43E0-B8FC-AC1667EBCBE1}">
+              <a14:hiddenEffects xmlns:a14="http://schemas.microsoft.com/office/drawing/2010/main">
+                <a:effectLst/>
+              </a14:hiddenEffects>
+            </a:ext>
+          </a:extLst>
+        </p:spPr>
+        <p:txBody>
+          <a:bodyPr wrap="none" fromWordArt="1">
+            <a:prstTxWarp prst="textPlain">
+              <a:avLst>
+                <a:gd name="adj" fmla="val 50000"/>
+              </a:avLst>
+            </a:prstTxWarp>
+          </a:bodyPr>
+          <a:lstStyle/>
+          <a:p>
+            <a:pPr algn="ctr" rtl="0">
+              <a:buNone/>
+            </a:pPr>
+            <a:r>
+              <a:rPr lang="en-US" sz="3600" kern="10" spc="0" smtClean="0">
+                <a:ln w="9525">
+                  <a:solidFill>
+                    <a:srgbClr val="000000"/>
+                  </a:solidFill>
+                  <a:round/>
+                  <a:headEnd/>
+                  <a:tailEnd/>
+                </a:ln>
+                <a:solidFill>
+                  <a:srgbClr val="FFFFFF"/>
+                </a:solidFill>
+                <a:effectLst/>
+                <a:latin typeface="Arial Black" panose="020B0A04020102020204" pitchFamily="34" charset="0"/>
+              </a:rPr>
+              <a:t>SignalSenders</a:t>
+            </a:r>
+            <a:endParaRPr lang="en-US" sz="3600" kern="10" spc="0">
+              <a:ln w="9525">
+                <a:solidFill>
+                  <a:srgbClr val="000000"/>
+                </a:solidFill>
+                <a:round/>
+                <a:headEnd/>
+                <a:tailEnd/>
+              </a:ln>
+              <a:solidFill>
+                <a:srgbClr val="FFFFFF"/>
+              </a:solidFill>
+              <a:effectLst/>
+              <a:latin typeface="Arial Black" panose="020B0A04020102020204" pitchFamily="34" charset="0"/>
+            </a:endParaRPr>
           </a:p>
         </p:txBody>
       </p:sp>
     </p:spTree>
     <p:extLst>
       <p:ext uri="{BB962C8B-B14F-4D97-AF65-F5344CB8AC3E}">
-        <p14:creationId xmlns:p14="http://schemas.microsoft.com/office/powerpoint/2010/main" val="852862794"/>
+        <p14:creationId xmlns:p14="http://schemas.microsoft.com/office/powerpoint/2010/main" val="813302141"/>
       </p:ext>
     </p:extLst>
   </p:cSld>
@@ -12666,14 +12900,7 @@
           <a:p>
             <a:r>
               <a:rPr lang="en-US" dirty="0" smtClean="0"/>
-              <a:t>Microcontroller</a:t>
-            </a:r>
-            <a:br>
-              <a:rPr lang="en-US" dirty="0" smtClean="0"/>
-            </a:br>
-            <a:r>
-              <a:rPr lang="en-US" dirty="0" smtClean="0"/>
-              <a:t>Programming</a:t>
+              <a:t>LED Output</a:t>
             </a:r>
             <a:endParaRPr lang="en-US" dirty="0"/>
           </a:p>
@@ -12703,9 +12930,7 @@
         </p:nvSpPr>
         <p:spPr/>
         <p:txBody>
-          <a:bodyPr>
-            <a:normAutofit/>
-          </a:bodyPr>
+          <a:bodyPr/>
           <a:lstStyle/>
           <a:p>
             <a:pPr marL="285750" indent="-285750">
@@ -12713,37 +12938,90 @@
               <a:buChar char="•"/>
             </a:pPr>
             <a:r>
-              <a:rPr lang="en-US" sz="3200" dirty="0" smtClean="0"/>
-              <a:t>Choice of Microcontroller</a:t>
-            </a:r>
-          </a:p>
-          <a:p>
-            <a:pPr marL="285750" indent="-285750">
-              <a:buFont typeface="Arial" panose="020B0604020202020204" pitchFamily="34" charset="0"/>
-              <a:buChar char="•"/>
+              <a:rPr lang="en-US" dirty="0" smtClean="0"/>
+              <a:t>Layout of board/housing</a:t>
+            </a:r>
+            <a:endParaRPr lang="en-US" dirty="0"/>
+          </a:p>
+        </p:txBody>
+      </p:sp>
+      <p:sp>
+        <p:nvSpPr>
+          <p:cNvPr id="5" name="WordArt 2"/>
+          <p:cNvSpPr>
+            <a:spLocks noChangeArrowheads="1" noChangeShapeType="1" noTextEdit="1"/>
+          </p:cNvSpPr>
+          <p:nvPr/>
+        </p:nvSpPr>
+        <p:spPr bwMode="auto">
+          <a:xfrm>
+            <a:off x="9706840" y="6317029"/>
+            <a:ext cx="2171700" cy="269875"/>
+          </a:xfrm>
+          <a:prstGeom prst="rect">
+            <a:avLst/>
+          </a:prstGeom>
+          <a:extLst>
+            <a:ext uri="{AF507438-7753-43E0-B8FC-AC1667EBCBE1}">
+              <a14:hiddenEffects xmlns:a14="http://schemas.microsoft.com/office/drawing/2010/main">
+                <a:effectLst/>
+              </a14:hiddenEffects>
+            </a:ext>
+          </a:extLst>
+        </p:spPr>
+        <p:txBody>
+          <a:bodyPr wrap="none" fromWordArt="1">
+            <a:prstTxWarp prst="textPlain">
+              <a:avLst>
+                <a:gd name="adj" fmla="val 50000"/>
+              </a:avLst>
+            </a:prstTxWarp>
+          </a:bodyPr>
+          <a:lstStyle/>
+          <a:p>
+            <a:pPr algn="ctr" rtl="0">
+              <a:buNone/>
             </a:pPr>
             <a:r>
-              <a:rPr lang="en-US" sz="3200" dirty="0" smtClean="0"/>
-              <a:t>Programming</a:t>
-            </a:r>
-          </a:p>
-          <a:p>
-            <a:pPr marL="285750" indent="-285750">
-              <a:buFont typeface="Arial" panose="020B0604020202020204" pitchFamily="34" charset="0"/>
-              <a:buChar char="•"/>
-            </a:pPr>
-            <a:r>
-              <a:rPr lang="en-US" sz="3200" dirty="0" smtClean="0"/>
-              <a:t>Interface??</a:t>
-            </a:r>
-            <a:endParaRPr lang="en-US" sz="3200" dirty="0"/>
+              <a:rPr lang="en-US" sz="3600" kern="10" spc="0" smtClean="0">
+                <a:ln w="9525">
+                  <a:solidFill>
+                    <a:srgbClr val="000000"/>
+                  </a:solidFill>
+                  <a:round/>
+                  <a:headEnd/>
+                  <a:tailEnd/>
+                </a:ln>
+                <a:solidFill>
+                  <a:srgbClr val="FFFFFF"/>
+                </a:solidFill>
+                <a:effectLst/>
+                <a:latin typeface="Arial Black" panose="020B0A04020102020204" pitchFamily="34" charset="0"/>
+              </a:rPr>
+              <a:t>SignalSenders</a:t>
+            </a:r>
+            <a:endParaRPr lang="en-US" sz="3600" kern="10" spc="0">
+              <a:ln w="9525">
+                <a:solidFill>
+                  <a:srgbClr val="000000"/>
+                </a:solidFill>
+                <a:round/>
+                <a:headEnd/>
+                <a:tailEnd/>
+              </a:ln>
+              <a:solidFill>
+                <a:srgbClr val="FFFFFF"/>
+              </a:solidFill>
+              <a:effectLst/>
+              <a:latin typeface="Arial Black" panose="020B0A04020102020204" pitchFamily="34" charset="0"/>
+            </a:endParaRPr>
           </a:p>
         </p:txBody>
       </p:sp>
     </p:spTree>
     <p:extLst>
       <p:ext uri="{BB962C8B-B14F-4D97-AF65-F5344CB8AC3E}">
-        <p14:creationId xmlns:p14="http://schemas.microsoft.com/office/powerpoint/2010/main" val="813302141"/>
+        <p14:creationId xmlns:p14="http://schemas.microsoft.com/office/powerpoint/2010/main" val="2255694821"/>
       </p:ext>
     </p:extLst>
   </p:cSld>
@@ -12794,7 +13072,7 @@
           <a:p>
             <a:r>
               <a:rPr lang="en-US" dirty="0" smtClean="0"/>
-              <a:t>LED Output</a:t>
+              <a:t>Schematic/PCB</a:t>
             </a:r>
             <a:endParaRPr lang="en-US" dirty="0"/>
           </a:p>
@@ -12827,22 +13105,14 @@
           <a:bodyPr/>
           <a:lstStyle/>
           <a:p>
-            <a:pPr marL="285750" indent="-285750">
-              <a:buFont typeface="Arial" panose="020B0604020202020204" pitchFamily="34" charset="0"/>
-              <a:buChar char="•"/>
-            </a:pPr>
-            <a:r>
-              <a:rPr lang="en-US" dirty="0" smtClean="0"/>
-              <a:t>Layout of board/housing</a:t>
-            </a:r>
-            <a:endParaRPr lang="en-US" dirty="0"/>
+            <a:endParaRPr lang="en-US"/>
           </a:p>
         </p:txBody>
       </p:sp>
     </p:spTree>
     <p:extLst>
       <p:ext uri="{BB962C8B-B14F-4D97-AF65-F5344CB8AC3E}">
-        <p14:creationId xmlns:p14="http://schemas.microsoft.com/office/powerpoint/2010/main" val="2255694821"/>
+        <p14:creationId xmlns:p14="http://schemas.microsoft.com/office/powerpoint/2010/main" val="3061048282"/>
       </p:ext>
     </p:extLst>
   </p:cSld>
@@ -12893,7 +13163,7 @@
           <a:p>
             <a:r>
               <a:rPr lang="en-US" dirty="0" smtClean="0"/>
-              <a:t>Schematic/PCB</a:t>
+              <a:t>Implementation</a:t>
             </a:r>
             <a:endParaRPr lang="en-US" dirty="0"/>
           </a:p>
@@ -12901,24 +13171,12 @@
       </p:sp>
       <p:sp>
         <p:nvSpPr>
-          <p:cNvPr id="3" name="Picture Placeholder 2"/>
+          <p:cNvPr id="3" name="Content Placeholder 2"/>
           <p:cNvSpPr>
             <a:spLocks noGrp="1"/>
           </p:cNvSpPr>
           <p:nvPr>
-            <p:ph type="pic" idx="1"/>
-          </p:nvPr>
-        </p:nvSpPr>
-        <p:spPr/>
-      </p:sp>
-      <p:sp>
-        <p:nvSpPr>
-          <p:cNvPr id="4" name="Text Placeholder 3"/>
-          <p:cNvSpPr>
-            <a:spLocks noGrp="1"/>
-          </p:cNvSpPr>
-          <p:nvPr>
-            <p:ph type="body" sz="half" idx="2"/>
+            <p:ph idx="1"/>
           </p:nvPr>
         </p:nvSpPr>
         <p:spPr/>
@@ -12927,13 +13185,86 @@
           <a:lstStyle/>
           <a:p>
             <a:endParaRPr lang="en-US"/>
+          </a:p>
+        </p:txBody>
+      </p:sp>
+      <p:sp>
+        <p:nvSpPr>
+          <p:cNvPr id="4" name="WordArt 2"/>
+          <p:cNvSpPr>
+            <a:spLocks noChangeArrowheads="1" noChangeShapeType="1" noTextEdit="1"/>
+          </p:cNvSpPr>
+          <p:nvPr/>
+        </p:nvSpPr>
+        <p:spPr bwMode="auto">
+          <a:xfrm>
+            <a:off x="9706840" y="6317029"/>
+            <a:ext cx="2171700" cy="269875"/>
+          </a:xfrm>
+          <a:prstGeom prst="rect">
+            <a:avLst/>
+          </a:prstGeom>
+          <a:extLst>
+            <a:ext uri="{AF507438-7753-43E0-B8FC-AC1667EBCBE1}">
+              <a14:hiddenEffects xmlns:a14="http://schemas.microsoft.com/office/drawing/2010/main">
+                <a:effectLst/>
+              </a14:hiddenEffects>
+            </a:ext>
+          </a:extLst>
+        </p:spPr>
+        <p:txBody>
+          <a:bodyPr wrap="none" fromWordArt="1">
+            <a:prstTxWarp prst="textPlain">
+              <a:avLst>
+                <a:gd name="adj" fmla="val 50000"/>
+              </a:avLst>
+            </a:prstTxWarp>
+          </a:bodyPr>
+          <a:lstStyle/>
+          <a:p>
+            <a:pPr algn="ctr" rtl="0">
+              <a:buNone/>
+            </a:pPr>
+            <a:r>
+              <a:rPr lang="en-US" sz="3600" kern="10" spc="0" smtClean="0">
+                <a:ln w="9525">
+                  <a:solidFill>
+                    <a:srgbClr val="000000"/>
+                  </a:solidFill>
+                  <a:round/>
+                  <a:headEnd/>
+                  <a:tailEnd/>
+                </a:ln>
+                <a:solidFill>
+                  <a:srgbClr val="FFFFFF"/>
+                </a:solidFill>
+                <a:effectLst/>
+                <a:latin typeface="Arial Black" panose="020B0A04020102020204" pitchFamily="34" charset="0"/>
+              </a:rPr>
+              <a:t>SignalSenders</a:t>
+            </a:r>
+            <a:endParaRPr lang="en-US" sz="3600" kern="10" spc="0">
+              <a:ln w="9525">
+                <a:solidFill>
+                  <a:srgbClr val="000000"/>
+                </a:solidFill>
+                <a:round/>
+                <a:headEnd/>
+                <a:tailEnd/>
+              </a:ln>
+              <a:solidFill>
+                <a:srgbClr val="FFFFFF"/>
+              </a:solidFill>
+              <a:effectLst/>
+              <a:latin typeface="Arial Black" panose="020B0A04020102020204" pitchFamily="34" charset="0"/>
+            </a:endParaRPr>
           </a:p>
         </p:txBody>
       </p:sp>
     </p:spTree>
     <p:extLst>
       <p:ext uri="{BB962C8B-B14F-4D97-AF65-F5344CB8AC3E}">
-        <p14:creationId xmlns:p14="http://schemas.microsoft.com/office/powerpoint/2010/main" val="3061048282"/>
+        <p14:creationId xmlns:p14="http://schemas.microsoft.com/office/powerpoint/2010/main" val="3757310795"/>
       </p:ext>
     </p:extLst>
   </p:cSld>
@@ -12984,7 +13315,14 @@
           <a:p>
             <a:r>
               <a:rPr lang="en-US" dirty="0" smtClean="0"/>
-              <a:t>Implementation</a:t>
+              <a:t>Intellectual property </a:t>
+            </a:r>
+            <a:br>
+              <a:rPr lang="en-US" dirty="0" smtClean="0"/>
+            </a:br>
+            <a:r>
+              <a:rPr lang="en-US" dirty="0" smtClean="0"/>
+              <a:t>prior work</a:t>
             </a:r>
             <a:endParaRPr lang="en-US" dirty="0"/>
           </a:p>
@@ -13005,14 +13343,91 @@
           <a:bodyPr/>
           <a:lstStyle/>
           <a:p>
-            <a:endParaRPr lang="en-US"/>
+            <a:r>
+              <a:rPr lang="en-US" dirty="0" smtClean="0"/>
+              <a:t>No idea about this slide waiting for Monday</a:t>
+            </a:r>
+            <a:endParaRPr lang="en-US" dirty="0"/>
+          </a:p>
+        </p:txBody>
+      </p:sp>
+      <p:sp>
+        <p:nvSpPr>
+          <p:cNvPr id="4" name="WordArt 2"/>
+          <p:cNvSpPr>
+            <a:spLocks noChangeArrowheads="1" noChangeShapeType="1" noTextEdit="1"/>
+          </p:cNvSpPr>
+          <p:nvPr/>
+        </p:nvSpPr>
+        <p:spPr bwMode="auto">
+          <a:xfrm>
+            <a:off x="9706840" y="6317029"/>
+            <a:ext cx="2171700" cy="269875"/>
+          </a:xfrm>
+          <a:prstGeom prst="rect">
+            <a:avLst/>
+          </a:prstGeom>
+          <a:extLst>
+            <a:ext uri="{AF507438-7753-43E0-B8FC-AC1667EBCBE1}">
+              <a14:hiddenEffects xmlns:a14="http://schemas.microsoft.com/office/drawing/2010/main">
+                <a:effectLst/>
+              </a14:hiddenEffects>
+            </a:ext>
+          </a:extLst>
+        </p:spPr>
+        <p:txBody>
+          <a:bodyPr wrap="none" fromWordArt="1">
+            <a:prstTxWarp prst="textPlain">
+              <a:avLst>
+                <a:gd name="adj" fmla="val 50000"/>
+              </a:avLst>
+            </a:prstTxWarp>
+          </a:bodyPr>
+          <a:lstStyle/>
+          <a:p>
+            <a:pPr algn="ctr" rtl="0">
+              <a:buNone/>
+            </a:pPr>
+            <a:r>
+              <a:rPr lang="en-US" sz="3600" kern="10" spc="0" smtClean="0">
+                <a:ln w="9525">
+                  <a:solidFill>
+                    <a:srgbClr val="000000"/>
+                  </a:solidFill>
+                  <a:round/>
+                  <a:headEnd/>
+                  <a:tailEnd/>
+                </a:ln>
+                <a:solidFill>
+                  <a:srgbClr val="FFFFFF"/>
+                </a:solidFill>
+                <a:effectLst/>
+                <a:latin typeface="Arial Black" panose="020B0A04020102020204" pitchFamily="34" charset="0"/>
+              </a:rPr>
+              <a:t>SignalSenders</a:t>
+            </a:r>
+            <a:endParaRPr lang="en-US" sz="3600" kern="10" spc="0">
+              <a:ln w="9525">
+                <a:solidFill>
+                  <a:srgbClr val="000000"/>
+                </a:solidFill>
+                <a:round/>
+                <a:headEnd/>
+                <a:tailEnd/>
+              </a:ln>
+              <a:solidFill>
+                <a:srgbClr val="FFFFFF"/>
+              </a:solidFill>
+              <a:effectLst/>
+              <a:latin typeface="Arial Black" panose="020B0A04020102020204" pitchFamily="34" charset="0"/>
+            </a:endParaRPr>
           </a:p>
         </p:txBody>
       </p:sp>
     </p:spTree>
     <p:extLst>
       <p:ext uri="{BB962C8B-B14F-4D97-AF65-F5344CB8AC3E}">
-        <p14:creationId xmlns:p14="http://schemas.microsoft.com/office/powerpoint/2010/main" val="3757310795"/>
+        <p14:creationId xmlns:p14="http://schemas.microsoft.com/office/powerpoint/2010/main" val="2729189065"/>
       </p:ext>
     </p:extLst>
   </p:cSld>
@@ -13063,14 +13478,7 @@
           <a:p>
             <a:r>
               <a:rPr lang="en-US" dirty="0" smtClean="0"/>
-              <a:t>Intellectual property </a:t>
-            </a:r>
-            <a:br>
-              <a:rPr lang="en-US" dirty="0" smtClean="0"/>
-            </a:br>
-            <a:r>
-              <a:rPr lang="en-US" dirty="0" smtClean="0"/>
-              <a:t>prior work</a:t>
+              <a:t>Testing</a:t>
             </a:r>
             <a:endParaRPr lang="en-US" dirty="0"/>
           </a:p>
@@ -13078,12 +13486,12 @@
       </p:sp>
       <p:sp>
         <p:nvSpPr>
-          <p:cNvPr id="3" name="Content Placeholder 2"/>
+          <p:cNvPr id="6" name="Text Placeholder 5"/>
           <p:cNvSpPr>
             <a:spLocks noGrp="1"/>
           </p:cNvSpPr>
           <p:nvPr>
-            <p:ph idx="1"/>
+            <p:ph type="body" idx="1"/>
           </p:nvPr>
         </p:nvSpPr>
         <p:spPr/>
@@ -13093,16 +13501,150 @@
           <a:p>
             <a:r>
               <a:rPr lang="en-US" dirty="0" smtClean="0"/>
-              <a:t>No idea about this slide</a:t>
+              <a:t>Strategy</a:t>
             </a:r>
             <a:endParaRPr lang="en-US" dirty="0"/>
+          </a:p>
+        </p:txBody>
+      </p:sp>
+      <p:sp>
+        <p:nvSpPr>
+          <p:cNvPr id="7" name="Content Placeholder 6"/>
+          <p:cNvSpPr>
+            <a:spLocks noGrp="1"/>
+          </p:cNvSpPr>
+          <p:nvPr>
+            <p:ph sz="half" idx="2"/>
+          </p:nvPr>
+        </p:nvSpPr>
+        <p:spPr/>
+        <p:txBody>
+          <a:bodyPr/>
+          <a:lstStyle/>
+          <a:p>
+            <a:endParaRPr lang="en-US" dirty="0"/>
+          </a:p>
+        </p:txBody>
+      </p:sp>
+      <p:sp>
+        <p:nvSpPr>
+          <p:cNvPr id="8" name="Text Placeholder 7"/>
+          <p:cNvSpPr>
+            <a:spLocks noGrp="1"/>
+          </p:cNvSpPr>
+          <p:nvPr>
+            <p:ph type="body" sz="quarter" idx="3"/>
+          </p:nvPr>
+        </p:nvSpPr>
+        <p:spPr/>
+        <p:txBody>
+          <a:bodyPr/>
+          <a:lstStyle/>
+          <a:p>
+            <a:r>
+              <a:rPr lang="en-US" dirty="0" smtClean="0"/>
+              <a:t>Execution</a:t>
+            </a:r>
+            <a:endParaRPr lang="en-US" dirty="0"/>
+          </a:p>
+        </p:txBody>
+      </p:sp>
+      <p:sp>
+        <p:nvSpPr>
+          <p:cNvPr id="9" name="Content Placeholder 8"/>
+          <p:cNvSpPr>
+            <a:spLocks noGrp="1"/>
+          </p:cNvSpPr>
+          <p:nvPr>
+            <p:ph sz="quarter" idx="4"/>
+          </p:nvPr>
+        </p:nvSpPr>
+        <p:spPr/>
+        <p:txBody>
+          <a:bodyPr/>
+          <a:lstStyle/>
+          <a:p>
+            <a:endParaRPr lang="en-US"/>
+          </a:p>
+        </p:txBody>
+      </p:sp>
+      <p:sp>
+        <p:nvSpPr>
+          <p:cNvPr id="10" name="WordArt 2"/>
+          <p:cNvSpPr>
+            <a:spLocks noChangeArrowheads="1" noChangeShapeType="1" noTextEdit="1"/>
+          </p:cNvSpPr>
+          <p:nvPr/>
+        </p:nvSpPr>
+        <p:spPr bwMode="auto">
+          <a:xfrm>
+            <a:off x="9706840" y="6317029"/>
+            <a:ext cx="2171700" cy="269875"/>
+          </a:xfrm>
+          <a:prstGeom prst="rect">
+            <a:avLst/>
+          </a:prstGeom>
+          <a:extLst>
+            <a:ext uri="{AF507438-7753-43E0-B8FC-AC1667EBCBE1}">
+              <a14:hiddenEffects xmlns:a14="http://schemas.microsoft.com/office/drawing/2010/main">
+                <a:effectLst/>
+              </a14:hiddenEffects>
+            </a:ext>
+          </a:extLst>
+        </p:spPr>
+        <p:txBody>
+          <a:bodyPr wrap="none" fromWordArt="1">
+            <a:prstTxWarp prst="textPlain">
+              <a:avLst>
+                <a:gd name="adj" fmla="val 50000"/>
+              </a:avLst>
+            </a:prstTxWarp>
+          </a:bodyPr>
+          <a:lstStyle/>
+          <a:p>
+            <a:pPr algn="ctr" rtl="0">
+              <a:buNone/>
+            </a:pPr>
+            <a:r>
+              <a:rPr lang="en-US" sz="3600" kern="10" spc="0" smtClean="0">
+                <a:ln w="9525">
+                  <a:solidFill>
+                    <a:srgbClr val="000000"/>
+                  </a:solidFill>
+                  <a:round/>
+                  <a:headEnd/>
+                  <a:tailEnd/>
+                </a:ln>
+                <a:solidFill>
+                  <a:srgbClr val="FFFFFF"/>
+                </a:solidFill>
+                <a:effectLst/>
+                <a:latin typeface="Arial Black" panose="020B0A04020102020204" pitchFamily="34" charset="0"/>
+              </a:rPr>
+              <a:t>SignalSenders</a:t>
+            </a:r>
+            <a:endParaRPr lang="en-US" sz="3600" kern="10" spc="0">
+              <a:ln w="9525">
+                <a:solidFill>
+                  <a:srgbClr val="000000"/>
+                </a:solidFill>
+                <a:round/>
+                <a:headEnd/>
+                <a:tailEnd/>
+              </a:ln>
+              <a:solidFill>
+                <a:srgbClr val="FFFFFF"/>
+              </a:solidFill>
+              <a:effectLst/>
+              <a:latin typeface="Arial Black" panose="020B0A04020102020204" pitchFamily="34" charset="0"/>
+            </a:endParaRPr>
           </a:p>
         </p:txBody>
       </p:sp>
     </p:spTree>
     <p:extLst>
       <p:ext uri="{BB962C8B-B14F-4D97-AF65-F5344CB8AC3E}">
-        <p14:creationId xmlns:p14="http://schemas.microsoft.com/office/powerpoint/2010/main" val="2729189065"/>
+        <p14:creationId xmlns:p14="http://schemas.microsoft.com/office/powerpoint/2010/main" val="704021232"/>
       </p:ext>
     </p:extLst>
   </p:cSld>
@@ -13153,7 +13695,7 @@
           <a:p>
             <a:r>
               <a:rPr lang="en-US" dirty="0" smtClean="0"/>
-              <a:t>Testing</a:t>
+              <a:t>Results</a:t>
             </a:r>
             <a:endParaRPr lang="en-US" dirty="0"/>
           </a:p>
@@ -13161,12 +13703,24 @@
       </p:sp>
       <p:sp>
         <p:nvSpPr>
-          <p:cNvPr id="6" name="Text Placeholder 5"/>
+          <p:cNvPr id="3" name="Picture Placeholder 2"/>
           <p:cNvSpPr>
             <a:spLocks noGrp="1"/>
           </p:cNvSpPr>
           <p:nvPr>
-            <p:ph type="body" idx="1"/>
+            <p:ph type="pic" idx="1"/>
+          </p:nvPr>
+        </p:nvSpPr>
+        <p:spPr/>
+      </p:sp>
+      <p:sp>
+        <p:nvSpPr>
+          <p:cNvPr id="4" name="Text Placeholder 3"/>
+          <p:cNvSpPr>
+            <a:spLocks noGrp="1"/>
+          </p:cNvSpPr>
+          <p:nvPr>
+            <p:ph type="body" sz="half" idx="2"/>
           </p:nvPr>
         </p:nvSpPr>
         <p:spPr/>
@@ -13176,7 +13730,11 @@
           <a:p>
             <a:r>
               <a:rPr lang="en-US" dirty="0" smtClean="0"/>
-              <a:t>Strategy</a:t>
+              <a:t>4 working </a:t>
+            </a:r>
+            <a:r>
+              <a:rPr lang="en-US" dirty="0" smtClean="0"/>
+              <a:t>units (video potential?)</a:t>
             </a:r>
             <a:endParaRPr lang="en-US" dirty="0"/>
           </a:p>
@@ -13184,69 +13742,81 @@
       </p:sp>
       <p:sp>
         <p:nvSpPr>
-          <p:cNvPr id="7" name="Content Placeholder 6"/>
-          <p:cNvSpPr>
-            <a:spLocks noGrp="1"/>
-          </p:cNvSpPr>
-          <p:nvPr>
-            <p:ph sz="half" idx="2"/>
-          </p:nvPr>
-        </p:nvSpPr>
-        <p:spPr/>
-        <p:txBody>
-          <a:bodyPr/>
+          <p:cNvPr id="5" name="WordArt 2"/>
+          <p:cNvSpPr>
+            <a:spLocks noChangeArrowheads="1" noChangeShapeType="1" noTextEdit="1"/>
+          </p:cNvSpPr>
+          <p:nvPr/>
+        </p:nvSpPr>
+        <p:spPr bwMode="auto">
+          <a:xfrm>
+            <a:off x="9706840" y="6317029"/>
+            <a:ext cx="2171700" cy="269875"/>
+          </a:xfrm>
+          <a:prstGeom prst="rect">
+            <a:avLst/>
+          </a:prstGeom>
+          <a:extLst>
+            <a:ext uri="{AF507438-7753-43E0-B8FC-AC1667EBCBE1}">
+              <a14:hiddenEffects xmlns:a14="http://schemas.microsoft.com/office/drawing/2010/main">
+                <a:effectLst/>
+              </a14:hiddenEffects>
+            </a:ext>
+          </a:extLst>
+        </p:spPr>
+        <p:txBody>
+          <a:bodyPr wrap="none" fromWordArt="1">
+            <a:prstTxWarp prst="textPlain">
+              <a:avLst>
+                <a:gd name="adj" fmla="val 50000"/>
+              </a:avLst>
+            </a:prstTxWarp>
+          </a:bodyPr>
           <a:lstStyle/>
           <a:p>
-            <a:endParaRPr lang="en-US" dirty="0"/>
-          </a:p>
-        </p:txBody>
-      </p:sp>
-      <p:sp>
-        <p:nvSpPr>
-          <p:cNvPr id="8" name="Text Placeholder 7"/>
-          <p:cNvSpPr>
-            <a:spLocks noGrp="1"/>
-          </p:cNvSpPr>
-          <p:nvPr>
-            <p:ph type="body" sz="quarter" idx="3"/>
-          </p:nvPr>
-        </p:nvSpPr>
-        <p:spPr/>
-        <p:txBody>
-          <a:bodyPr/>
-          <a:lstStyle/>
-          <a:p>
-            <a:r>
-              <a:rPr lang="en-US" dirty="0" smtClean="0"/>
-              <a:t>Execution</a:t>
-            </a:r>
-            <a:endParaRPr lang="en-US" dirty="0"/>
-          </a:p>
-        </p:txBody>
-      </p:sp>
-      <p:sp>
-        <p:nvSpPr>
-          <p:cNvPr id="9" name="Content Placeholder 8"/>
-          <p:cNvSpPr>
-            <a:spLocks noGrp="1"/>
-          </p:cNvSpPr>
-          <p:nvPr>
-            <p:ph sz="quarter" idx="4"/>
-          </p:nvPr>
-        </p:nvSpPr>
-        <p:spPr/>
-        <p:txBody>
-          <a:bodyPr/>
-          <a:lstStyle/>
-          <a:p>
-            <a:endParaRPr lang="en-US"/>
+            <a:pPr algn="ctr" rtl="0">
+              <a:buNone/>
+            </a:pPr>
+            <a:r>
+              <a:rPr lang="en-US" sz="3600" kern="10" spc="0" smtClean="0">
+                <a:ln w="9525">
+                  <a:solidFill>
+                    <a:srgbClr val="000000"/>
+                  </a:solidFill>
+                  <a:round/>
+                  <a:headEnd/>
+                  <a:tailEnd/>
+                </a:ln>
+                <a:solidFill>
+                  <a:srgbClr val="FFFFFF"/>
+                </a:solidFill>
+                <a:effectLst/>
+                <a:latin typeface="Arial Black" panose="020B0A04020102020204" pitchFamily="34" charset="0"/>
+              </a:rPr>
+              <a:t>SignalSenders</a:t>
+            </a:r>
+            <a:endParaRPr lang="en-US" sz="3600" kern="10" spc="0">
+              <a:ln w="9525">
+                <a:solidFill>
+                  <a:srgbClr val="000000"/>
+                </a:solidFill>
+                <a:round/>
+                <a:headEnd/>
+                <a:tailEnd/>
+              </a:ln>
+              <a:solidFill>
+                <a:srgbClr val="FFFFFF"/>
+              </a:solidFill>
+              <a:effectLst/>
+              <a:latin typeface="Arial Black" panose="020B0A04020102020204" pitchFamily="34" charset="0"/>
+            </a:endParaRPr>
           </a:p>
         </p:txBody>
       </p:sp>
     </p:spTree>
     <p:extLst>
       <p:ext uri="{BB962C8B-B14F-4D97-AF65-F5344CB8AC3E}">
-        <p14:creationId xmlns:p14="http://schemas.microsoft.com/office/powerpoint/2010/main" val="704021232"/>
+        <p14:creationId xmlns:p14="http://schemas.microsoft.com/office/powerpoint/2010/main" val="1772790167"/>
       </p:ext>
     </p:extLst>
   </p:cSld>
@@ -13297,7 +13867,7 @@
           <a:p>
             <a:r>
               <a:rPr lang="en-US" dirty="0" smtClean="0"/>
-              <a:t>Results</a:t>
+              <a:t>Contributions</a:t>
             </a:r>
             <a:endParaRPr lang="en-US" dirty="0"/>
           </a:p>
@@ -13305,24 +13875,12 @@
       </p:sp>
       <p:sp>
         <p:nvSpPr>
-          <p:cNvPr id="3" name="Picture Placeholder 2"/>
+          <p:cNvPr id="3" name="Text Placeholder 2"/>
           <p:cNvSpPr>
             <a:spLocks noGrp="1"/>
           </p:cNvSpPr>
           <p:nvPr>
-            <p:ph type="pic" idx="1"/>
-          </p:nvPr>
-        </p:nvSpPr>
-        <p:spPr/>
-      </p:sp>
-      <p:sp>
-        <p:nvSpPr>
-          <p:cNvPr id="4" name="Text Placeholder 3"/>
-          <p:cNvSpPr>
-            <a:spLocks noGrp="1"/>
-          </p:cNvSpPr>
-          <p:nvPr>
-            <p:ph type="body" sz="half" idx="2"/>
+            <p:ph type="body" idx="1"/>
           </p:nvPr>
         </p:nvSpPr>
         <p:spPr/>
@@ -13331,17 +13889,264 @@
           <a:lstStyle/>
           <a:p>
             <a:r>
-              <a:rPr lang="en-US" dirty="0" smtClean="0"/>
-              <a:t>4 working units</a:t>
-            </a:r>
-            <a:endParaRPr lang="en-US" dirty="0"/>
+              <a:rPr lang="en-US" sz="2800" dirty="0" smtClean="0"/>
+              <a:t>Max cope</a:t>
+            </a:r>
+            <a:endParaRPr lang="en-US" sz="2800" dirty="0"/>
+          </a:p>
+        </p:txBody>
+      </p:sp>
+      <p:sp>
+        <p:nvSpPr>
+          <p:cNvPr id="4" name="Text Placeholder 3"/>
+          <p:cNvSpPr>
+            <a:spLocks noGrp="1"/>
+          </p:cNvSpPr>
+          <p:nvPr>
+            <p:ph type="body" sz="half" idx="15"/>
+          </p:nvPr>
+        </p:nvSpPr>
+        <p:spPr/>
+        <p:txBody>
+          <a:bodyPr>
+            <a:normAutofit/>
+          </a:bodyPr>
+          <a:lstStyle/>
+          <a:p>
+            <a:pPr marL="285750" indent="-285750">
+              <a:buFont typeface="Arial" panose="020B0604020202020204" pitchFamily="34" charset="0"/>
+              <a:buChar char="•"/>
+            </a:pPr>
+            <a:r>
+              <a:rPr lang="en-US" sz="2000" dirty="0" smtClean="0"/>
+              <a:t>RF signals</a:t>
+            </a:r>
+            <a:endParaRPr lang="en-US" sz="2000" dirty="0"/>
+          </a:p>
+        </p:txBody>
+      </p:sp>
+      <p:sp>
+        <p:nvSpPr>
+          <p:cNvPr id="5" name="Text Placeholder 4"/>
+          <p:cNvSpPr>
+            <a:spLocks noGrp="1"/>
+          </p:cNvSpPr>
+          <p:nvPr>
+            <p:ph type="body" sz="quarter" idx="3"/>
+          </p:nvPr>
+        </p:nvSpPr>
+        <p:spPr/>
+        <p:txBody>
+          <a:bodyPr/>
+          <a:lstStyle/>
+          <a:p>
+            <a:r>
+              <a:rPr lang="en-US" sz="2800" dirty="0" smtClean="0"/>
+              <a:t>Leslie </a:t>
+            </a:r>
+            <a:r>
+              <a:rPr lang="en-US" sz="2800" dirty="0" err="1" smtClean="0"/>
+              <a:t>Eide</a:t>
+            </a:r>
+            <a:endParaRPr lang="en-US" sz="2800" dirty="0"/>
+          </a:p>
+        </p:txBody>
+      </p:sp>
+      <p:sp>
+        <p:nvSpPr>
+          <p:cNvPr id="6" name="Text Placeholder 5"/>
+          <p:cNvSpPr>
+            <a:spLocks noGrp="1"/>
+          </p:cNvSpPr>
+          <p:nvPr>
+            <p:ph type="body" sz="half" idx="16"/>
+          </p:nvPr>
+        </p:nvSpPr>
+        <p:spPr/>
+        <p:txBody>
+          <a:bodyPr>
+            <a:normAutofit/>
+          </a:bodyPr>
+          <a:lstStyle/>
+          <a:p>
+            <a:pPr marL="285750" indent="-285750">
+              <a:buFont typeface="Arial" panose="020B0604020202020204" pitchFamily="34" charset="0"/>
+              <a:buChar char="•"/>
+            </a:pPr>
+            <a:r>
+              <a:rPr lang="en-US" sz="2000" dirty="0" smtClean="0"/>
+              <a:t>IR </a:t>
+            </a:r>
+            <a:r>
+              <a:rPr lang="en-US" sz="2000" dirty="0" smtClean="0"/>
+              <a:t>motion </a:t>
+            </a:r>
+            <a:r>
+              <a:rPr lang="en-US" sz="2000" dirty="0" smtClean="0"/>
+              <a:t>detector</a:t>
+            </a:r>
+          </a:p>
+          <a:p>
+            <a:pPr marL="285750" indent="-285750">
+              <a:buFont typeface="Arial" panose="020B0604020202020204" pitchFamily="34" charset="0"/>
+              <a:buChar char="•"/>
+            </a:pPr>
+            <a:r>
+              <a:rPr lang="en-US" sz="2000" dirty="0" smtClean="0"/>
+              <a:t>LED output panel</a:t>
+            </a:r>
+            <a:endParaRPr lang="en-US" sz="2000" dirty="0"/>
+          </a:p>
+        </p:txBody>
+      </p:sp>
+      <p:sp>
+        <p:nvSpPr>
+          <p:cNvPr id="7" name="Text Placeholder 6"/>
+          <p:cNvSpPr>
+            <a:spLocks noGrp="1"/>
+          </p:cNvSpPr>
+          <p:nvPr>
+            <p:ph type="body" sz="quarter" idx="13"/>
+          </p:nvPr>
+        </p:nvSpPr>
+        <p:spPr>
+          <a:xfrm>
+            <a:off x="7852441" y="2674463"/>
+            <a:ext cx="3935005" cy="685800"/>
+          </a:xfrm>
+        </p:spPr>
+        <p:txBody>
+          <a:bodyPr/>
+          <a:lstStyle/>
+          <a:p>
+            <a:r>
+              <a:rPr lang="en-US" sz="2800" dirty="0" smtClean="0"/>
+              <a:t>Chris </a:t>
+            </a:r>
+            <a:r>
+              <a:rPr lang="en-US" sz="2800" dirty="0" err="1" smtClean="0"/>
+              <a:t>Klupenger</a:t>
+            </a:r>
+            <a:endParaRPr lang="en-US" sz="2800" dirty="0"/>
+          </a:p>
+        </p:txBody>
+      </p:sp>
+      <p:sp>
+        <p:nvSpPr>
+          <p:cNvPr id="8" name="Text Placeholder 7"/>
+          <p:cNvSpPr>
+            <a:spLocks noGrp="1"/>
+          </p:cNvSpPr>
+          <p:nvPr>
+            <p:ph type="body" sz="half" idx="17"/>
+          </p:nvPr>
+        </p:nvSpPr>
+        <p:spPr/>
+        <p:txBody>
+          <a:bodyPr>
+            <a:normAutofit/>
+          </a:bodyPr>
+          <a:lstStyle/>
+          <a:p>
+            <a:pPr marL="285750" indent="-285750">
+              <a:buFont typeface="Arial" panose="020B0604020202020204" pitchFamily="34" charset="0"/>
+              <a:buChar char="•"/>
+            </a:pPr>
+            <a:r>
+              <a:rPr lang="en-US" sz="2000" dirty="0" smtClean="0"/>
+              <a:t>Microcontroller</a:t>
+            </a:r>
+          </a:p>
+          <a:p>
+            <a:pPr marL="285750" indent="-285750">
+              <a:buFont typeface="Arial" panose="020B0604020202020204" pitchFamily="34" charset="0"/>
+              <a:buChar char="•"/>
+            </a:pPr>
+            <a:r>
+              <a:rPr lang="en-US" sz="2000" dirty="0" smtClean="0"/>
+              <a:t>Programming</a:t>
+            </a:r>
+            <a:endParaRPr lang="en-US" sz="2000" dirty="0"/>
+          </a:p>
+        </p:txBody>
+      </p:sp>
+      <p:sp>
+        <p:nvSpPr>
+          <p:cNvPr id="9" name="WordArt 2"/>
+          <p:cNvSpPr>
+            <a:spLocks noChangeArrowheads="1" noChangeShapeType="1" noTextEdit="1"/>
+          </p:cNvSpPr>
+          <p:nvPr/>
+        </p:nvSpPr>
+        <p:spPr bwMode="auto">
+          <a:xfrm>
+            <a:off x="9706840" y="6317029"/>
+            <a:ext cx="2171700" cy="269875"/>
+          </a:xfrm>
+          <a:prstGeom prst="rect">
+            <a:avLst/>
+          </a:prstGeom>
+          <a:extLst>
+            <a:ext uri="{AF507438-7753-43E0-B8FC-AC1667EBCBE1}">
+              <a14:hiddenEffects xmlns:a14="http://schemas.microsoft.com/office/drawing/2010/main">
+                <a:effectLst/>
+              </a14:hiddenEffects>
+            </a:ext>
+          </a:extLst>
+        </p:spPr>
+        <p:txBody>
+          <a:bodyPr wrap="none" fromWordArt="1">
+            <a:prstTxWarp prst="textPlain">
+              <a:avLst>
+                <a:gd name="adj" fmla="val 50000"/>
+              </a:avLst>
+            </a:prstTxWarp>
+          </a:bodyPr>
+          <a:lstStyle/>
+          <a:p>
+            <a:pPr algn="ctr" rtl="0">
+              <a:buNone/>
+            </a:pPr>
+            <a:r>
+              <a:rPr lang="en-US" sz="3600" kern="10" spc="0" smtClean="0">
+                <a:ln w="9525">
+                  <a:solidFill>
+                    <a:srgbClr val="000000"/>
+                  </a:solidFill>
+                  <a:round/>
+                  <a:headEnd/>
+                  <a:tailEnd/>
+                </a:ln>
+                <a:solidFill>
+                  <a:srgbClr val="FFFFFF"/>
+                </a:solidFill>
+                <a:effectLst/>
+                <a:latin typeface="Arial Black" panose="020B0A04020102020204" pitchFamily="34" charset="0"/>
+              </a:rPr>
+              <a:t>SignalSenders</a:t>
+            </a:r>
+            <a:endParaRPr lang="en-US" sz="3600" kern="10" spc="0">
+              <a:ln w="9525">
+                <a:solidFill>
+                  <a:srgbClr val="000000"/>
+                </a:solidFill>
+                <a:round/>
+                <a:headEnd/>
+                <a:tailEnd/>
+              </a:ln>
+              <a:solidFill>
+                <a:srgbClr val="FFFFFF"/>
+              </a:solidFill>
+              <a:effectLst/>
+              <a:latin typeface="Arial Black" panose="020B0A04020102020204" pitchFamily="34" charset="0"/>
+            </a:endParaRPr>
           </a:p>
         </p:txBody>
       </p:sp>
     </p:spTree>
     <p:extLst>
       <p:ext uri="{BB962C8B-B14F-4D97-AF65-F5344CB8AC3E}">
-        <p14:creationId xmlns:p14="http://schemas.microsoft.com/office/powerpoint/2010/main" val="1772790167"/>
+        <p14:creationId xmlns:p14="http://schemas.microsoft.com/office/powerpoint/2010/main" val="854377500"/>
       </p:ext>
     </p:extLst>
   </p:cSld>
@@ -13392,244 +14197,6 @@
           <a:p>
             <a:r>
               <a:rPr lang="en-US" dirty="0" smtClean="0"/>
-              <a:t>Contributions</a:t>
-            </a:r>
-            <a:endParaRPr lang="en-US" dirty="0"/>
-          </a:p>
-        </p:txBody>
-      </p:sp>
-      <p:sp>
-        <p:nvSpPr>
-          <p:cNvPr id="3" name="Text Placeholder 2"/>
-          <p:cNvSpPr>
-            <a:spLocks noGrp="1"/>
-          </p:cNvSpPr>
-          <p:nvPr>
-            <p:ph type="body" idx="1"/>
-          </p:nvPr>
-        </p:nvSpPr>
-        <p:spPr/>
-        <p:txBody>
-          <a:bodyPr/>
-          <a:lstStyle/>
-          <a:p>
-            <a:r>
-              <a:rPr lang="en-US" dirty="0" smtClean="0"/>
-              <a:t>Max cope</a:t>
-            </a:r>
-            <a:endParaRPr lang="en-US" dirty="0"/>
-          </a:p>
-        </p:txBody>
-      </p:sp>
-      <p:sp>
-        <p:nvSpPr>
-          <p:cNvPr id="4" name="Text Placeholder 3"/>
-          <p:cNvSpPr>
-            <a:spLocks noGrp="1"/>
-          </p:cNvSpPr>
-          <p:nvPr>
-            <p:ph type="body" sz="half" idx="15"/>
-          </p:nvPr>
-        </p:nvSpPr>
-        <p:spPr/>
-        <p:txBody>
-          <a:bodyPr/>
-          <a:lstStyle/>
-          <a:p>
-            <a:pPr marL="285750" indent="-285750">
-              <a:buFont typeface="Arial" panose="020B0604020202020204" pitchFamily="34" charset="0"/>
-              <a:buChar char="•"/>
-            </a:pPr>
-            <a:r>
-              <a:rPr lang="en-US" dirty="0" smtClean="0"/>
-              <a:t>RF signals</a:t>
-            </a:r>
-            <a:endParaRPr lang="en-US" dirty="0"/>
-          </a:p>
-        </p:txBody>
-      </p:sp>
-      <p:sp>
-        <p:nvSpPr>
-          <p:cNvPr id="5" name="Text Placeholder 4"/>
-          <p:cNvSpPr>
-            <a:spLocks noGrp="1"/>
-          </p:cNvSpPr>
-          <p:nvPr>
-            <p:ph type="body" sz="quarter" idx="3"/>
-          </p:nvPr>
-        </p:nvSpPr>
-        <p:spPr/>
-        <p:txBody>
-          <a:bodyPr/>
-          <a:lstStyle/>
-          <a:p>
-            <a:r>
-              <a:rPr lang="en-US" dirty="0" smtClean="0"/>
-              <a:t>Leslie </a:t>
-            </a:r>
-            <a:r>
-              <a:rPr lang="en-US" dirty="0" err="1" smtClean="0"/>
-              <a:t>Eide</a:t>
-            </a:r>
-            <a:endParaRPr lang="en-US" dirty="0"/>
-          </a:p>
-        </p:txBody>
-      </p:sp>
-      <p:sp>
-        <p:nvSpPr>
-          <p:cNvPr id="6" name="Text Placeholder 5"/>
-          <p:cNvSpPr>
-            <a:spLocks noGrp="1"/>
-          </p:cNvSpPr>
-          <p:nvPr>
-            <p:ph type="body" sz="half" idx="16"/>
-          </p:nvPr>
-        </p:nvSpPr>
-        <p:spPr/>
-        <p:txBody>
-          <a:bodyPr/>
-          <a:lstStyle/>
-          <a:p>
-            <a:pPr marL="285750" indent="-285750">
-              <a:buFont typeface="Arial" panose="020B0604020202020204" pitchFamily="34" charset="0"/>
-              <a:buChar char="•"/>
-            </a:pPr>
-            <a:r>
-              <a:rPr lang="en-US" dirty="0" smtClean="0"/>
-              <a:t>IR Motion detector</a:t>
-            </a:r>
-          </a:p>
-          <a:p>
-            <a:pPr marL="285750" indent="-285750">
-              <a:buFont typeface="Arial" panose="020B0604020202020204" pitchFamily="34" charset="0"/>
-              <a:buChar char="•"/>
-            </a:pPr>
-            <a:r>
-              <a:rPr lang="en-US" dirty="0" smtClean="0"/>
-              <a:t>LED output panel</a:t>
-            </a:r>
-            <a:endParaRPr lang="en-US" dirty="0"/>
-          </a:p>
-        </p:txBody>
-      </p:sp>
-      <p:sp>
-        <p:nvSpPr>
-          <p:cNvPr id="7" name="Text Placeholder 6"/>
-          <p:cNvSpPr>
-            <a:spLocks noGrp="1"/>
-          </p:cNvSpPr>
-          <p:nvPr>
-            <p:ph type="body" sz="quarter" idx="13"/>
-          </p:nvPr>
-        </p:nvSpPr>
-        <p:spPr/>
-        <p:txBody>
-          <a:bodyPr/>
-          <a:lstStyle/>
-          <a:p>
-            <a:r>
-              <a:rPr lang="en-US" dirty="0" smtClean="0"/>
-              <a:t>Chris </a:t>
-            </a:r>
-            <a:r>
-              <a:rPr lang="en-US" dirty="0" err="1" smtClean="0"/>
-              <a:t>Klupenger</a:t>
-            </a:r>
-            <a:endParaRPr lang="en-US" dirty="0"/>
-          </a:p>
-        </p:txBody>
-      </p:sp>
-      <p:sp>
-        <p:nvSpPr>
-          <p:cNvPr id="8" name="Text Placeholder 7"/>
-          <p:cNvSpPr>
-            <a:spLocks noGrp="1"/>
-          </p:cNvSpPr>
-          <p:nvPr>
-            <p:ph type="body" sz="half" idx="17"/>
-          </p:nvPr>
-        </p:nvSpPr>
-        <p:spPr/>
-        <p:txBody>
-          <a:bodyPr/>
-          <a:lstStyle/>
-          <a:p>
-            <a:pPr marL="285750" indent="-285750">
-              <a:buFont typeface="Arial" panose="020B0604020202020204" pitchFamily="34" charset="0"/>
-              <a:buChar char="•"/>
-            </a:pPr>
-            <a:r>
-              <a:rPr lang="en-US" dirty="0" smtClean="0"/>
-              <a:t>Microcontroller</a:t>
-            </a:r>
-          </a:p>
-          <a:p>
-            <a:pPr marL="285750" indent="-285750">
-              <a:buFont typeface="Arial" panose="020B0604020202020204" pitchFamily="34" charset="0"/>
-              <a:buChar char="•"/>
-            </a:pPr>
-            <a:r>
-              <a:rPr lang="en-US" dirty="0" smtClean="0"/>
-              <a:t>programming</a:t>
-            </a:r>
-            <a:endParaRPr lang="en-US" dirty="0"/>
-          </a:p>
-        </p:txBody>
-      </p:sp>
-    </p:spTree>
-    <p:extLst>
-      <p:ext uri="{BB962C8B-B14F-4D97-AF65-F5344CB8AC3E}">
-        <p14:creationId xmlns:p14="http://schemas.microsoft.com/office/powerpoint/2010/main" val="854377500"/>
-      </p:ext>
-    </p:extLst>
-  </p:cSld>
-  <p:clrMapOvr>
-    <a:masterClrMapping/>
-  </p:clrMapOvr>
-  <p:timing>
-    <p:tnLst>
-      <p:par>
-        <p:cTn id="1" dur="indefinite" restart="never" nodeType="tmRoot"/>
-      </p:par>
-    </p:tnLst>
-  </p:timing>
-</p:sld>
-</file>
-
-<file path=ppt/slides/slide19.xml><?xml version="1.0" encoding="utf-8"?>
-<p:sld xmlns:a="http://schemas.openxmlformats.org/drawingml/2006/main" xmlns:r="http://schemas.openxmlformats.org/officeDocument/2006/relationships" xmlns:p="http://schemas.openxmlformats.org/presentationml/2006/main">
-  <p:cSld>
-    <p:spTree>
-      <p:nvGrpSpPr>
-        <p:cNvPr id="1" name=""/>
-        <p:cNvGrpSpPr/>
-        <p:nvPr/>
-      </p:nvGrpSpPr>
-      <p:grpSpPr>
-        <a:xfrm>
-          <a:off x="0" y="0"/>
-          <a:ext cx="0" cy="0"/>
-          <a:chOff x="0" y="0"/>
-          <a:chExt cx="0" cy="0"/>
-        </a:xfrm>
-      </p:grpSpPr>
-      <p:sp>
-        <p:nvSpPr>
-          <p:cNvPr id="2" name="Title 1"/>
-          <p:cNvSpPr>
-            <a:spLocks noGrp="1"/>
-          </p:cNvSpPr>
-          <p:nvPr>
-            <p:ph type="title"/>
-          </p:nvPr>
-        </p:nvSpPr>
-        <p:spPr/>
-        <p:txBody>
-          <a:bodyPr/>
-          <a:lstStyle/>
-          <a:p>
-            <a:r>
-              <a:rPr lang="en-US" dirty="0" smtClean="0"/>
               <a:t>Lessons Learned</a:t>
             </a:r>
             <a:endParaRPr lang="en-US" dirty="0"/>
@@ -13652,6 +14219,79 @@
           <a:lstStyle/>
           <a:p>
             <a:endParaRPr lang="en-US"/>
+          </a:p>
+        </p:txBody>
+      </p:sp>
+      <p:sp>
+        <p:nvSpPr>
+          <p:cNvPr id="4" name="WordArt 2"/>
+          <p:cNvSpPr>
+            <a:spLocks noChangeArrowheads="1" noChangeShapeType="1" noTextEdit="1"/>
+          </p:cNvSpPr>
+          <p:nvPr/>
+        </p:nvSpPr>
+        <p:spPr bwMode="auto">
+          <a:xfrm>
+            <a:off x="9706840" y="6317029"/>
+            <a:ext cx="2171700" cy="269875"/>
+          </a:xfrm>
+          <a:prstGeom prst="rect">
+            <a:avLst/>
+          </a:prstGeom>
+          <a:extLst>
+            <a:ext uri="{AF507438-7753-43E0-B8FC-AC1667EBCBE1}">
+              <a14:hiddenEffects xmlns:a14="http://schemas.microsoft.com/office/drawing/2010/main">
+                <a:effectLst/>
+              </a14:hiddenEffects>
+            </a:ext>
+          </a:extLst>
+        </p:spPr>
+        <p:txBody>
+          <a:bodyPr wrap="none" fromWordArt="1">
+            <a:prstTxWarp prst="textPlain">
+              <a:avLst>
+                <a:gd name="adj" fmla="val 50000"/>
+              </a:avLst>
+            </a:prstTxWarp>
+          </a:bodyPr>
+          <a:lstStyle/>
+          <a:p>
+            <a:pPr algn="ctr" rtl="0">
+              <a:buNone/>
+            </a:pPr>
+            <a:r>
+              <a:rPr lang="en-US" sz="3600" kern="10" spc="0" smtClean="0">
+                <a:ln w="9525">
+                  <a:solidFill>
+                    <a:srgbClr val="000000"/>
+                  </a:solidFill>
+                  <a:round/>
+                  <a:headEnd/>
+                  <a:tailEnd/>
+                </a:ln>
+                <a:solidFill>
+                  <a:srgbClr val="FFFFFF"/>
+                </a:solidFill>
+                <a:effectLst/>
+                <a:latin typeface="Arial Black" panose="020B0A04020102020204" pitchFamily="34" charset="0"/>
+              </a:rPr>
+              <a:t>SignalSenders</a:t>
+            </a:r>
+            <a:endParaRPr lang="en-US" sz="3600" kern="10" spc="0">
+              <a:ln w="9525">
+                <a:solidFill>
+                  <a:srgbClr val="000000"/>
+                </a:solidFill>
+                <a:round/>
+                <a:headEnd/>
+                <a:tailEnd/>
+              </a:ln>
+              <a:solidFill>
+                <a:srgbClr val="FFFFFF"/>
+              </a:solidFill>
+              <a:effectLst/>
+              <a:latin typeface="Arial Black" panose="020B0A04020102020204" pitchFamily="34" charset="0"/>
+            </a:endParaRPr>
           </a:p>
         </p:txBody>
       </p:sp>
@@ -13725,12 +14365,295 @@
             <p:ph idx="1"/>
           </p:nvPr>
         </p:nvSpPr>
-        <p:spPr/>
+        <p:spPr>
+          <a:xfrm>
+            <a:off x="1141413" y="1576156"/>
+            <a:ext cx="6040800" cy="3541714"/>
+          </a:xfrm>
+        </p:spPr>
         <p:txBody>
           <a:bodyPr/>
           <a:lstStyle/>
           <a:p>
-            <a:endParaRPr lang="en-US"/>
+            <a:r>
+              <a:rPr lang="en-US" dirty="0" smtClean="0"/>
+              <a:t>Utilize our skills to build a project from the ground </a:t>
+            </a:r>
+            <a:r>
+              <a:rPr lang="en-US" dirty="0" smtClean="0"/>
+              <a:t>up</a:t>
+            </a:r>
+          </a:p>
+          <a:p>
+            <a:endParaRPr lang="en-US" dirty="0" smtClean="0"/>
+          </a:p>
+        </p:txBody>
+      </p:sp>
+      <p:sp>
+        <p:nvSpPr>
+          <p:cNvPr id="4" name="WordArt 2"/>
+          <p:cNvSpPr>
+            <a:spLocks noChangeArrowheads="1" noChangeShapeType="1" noTextEdit="1"/>
+          </p:cNvSpPr>
+          <p:nvPr/>
+        </p:nvSpPr>
+        <p:spPr bwMode="auto">
+          <a:xfrm>
+            <a:off x="9706840" y="6317029"/>
+            <a:ext cx="2171700" cy="269875"/>
+          </a:xfrm>
+          <a:prstGeom prst="rect">
+            <a:avLst/>
+          </a:prstGeom>
+          <a:extLst>
+            <a:ext uri="{AF507438-7753-43E0-B8FC-AC1667EBCBE1}">
+              <a14:hiddenEffects xmlns:a14="http://schemas.microsoft.com/office/drawing/2010/main">
+                <a:effectLst/>
+              </a14:hiddenEffects>
+            </a:ext>
+          </a:extLst>
+        </p:spPr>
+        <p:txBody>
+          <a:bodyPr wrap="none" fromWordArt="1">
+            <a:prstTxWarp prst="textPlain">
+              <a:avLst>
+                <a:gd name="adj" fmla="val 50000"/>
+              </a:avLst>
+            </a:prstTxWarp>
+          </a:bodyPr>
+          <a:lstStyle/>
+          <a:p>
+            <a:pPr algn="ctr" rtl="0">
+              <a:buNone/>
+            </a:pPr>
+            <a:r>
+              <a:rPr lang="en-US" sz="3600" kern="10" spc="0" smtClean="0">
+                <a:ln w="9525">
+                  <a:solidFill>
+                    <a:srgbClr val="000000"/>
+                  </a:solidFill>
+                  <a:round/>
+                  <a:headEnd/>
+                  <a:tailEnd/>
+                </a:ln>
+                <a:solidFill>
+                  <a:srgbClr val="FFFFFF"/>
+                </a:solidFill>
+                <a:effectLst/>
+                <a:latin typeface="Arial Black" panose="020B0A04020102020204" pitchFamily="34" charset="0"/>
+              </a:rPr>
+              <a:t>SignalSenders</a:t>
+            </a:r>
+            <a:endParaRPr lang="en-US" sz="3600" kern="10" spc="0">
+              <a:ln w="9525">
+                <a:solidFill>
+                  <a:srgbClr val="000000"/>
+                </a:solidFill>
+                <a:round/>
+                <a:headEnd/>
+                <a:tailEnd/>
+              </a:ln>
+              <a:solidFill>
+                <a:srgbClr val="FFFFFF"/>
+              </a:solidFill>
+              <a:effectLst/>
+              <a:latin typeface="Arial Black" panose="020B0A04020102020204" pitchFamily="34" charset="0"/>
+            </a:endParaRPr>
+          </a:p>
+        </p:txBody>
+      </p:sp>
+      <p:sp>
+        <p:nvSpPr>
+          <p:cNvPr id="6" name="Rectangle 5"/>
+          <p:cNvSpPr/>
+          <p:nvPr/>
+        </p:nvSpPr>
+        <p:spPr>
+          <a:xfrm>
+            <a:off x="1141410" y="3790825"/>
+            <a:ext cx="6096000" cy="2693045"/>
+          </a:xfrm>
+          <a:prstGeom prst="rect">
+            <a:avLst/>
+          </a:prstGeom>
+        </p:spPr>
+        <p:txBody>
+          <a:bodyPr>
+            <a:spAutoFit/>
+          </a:bodyPr>
+          <a:lstStyle/>
+          <a:p>
+            <a:pPr marL="285750" lvl="0" indent="-285750" defTabSz="914400">
+              <a:lnSpc>
+                <a:spcPct val="120000"/>
+              </a:lnSpc>
+              <a:spcBef>
+                <a:spcPts val="1000"/>
+              </a:spcBef>
+              <a:buSzPct val="125000"/>
+              <a:buFont typeface="Arial" panose="020B0604020202020204" pitchFamily="34" charset="0"/>
+              <a:buChar char="•"/>
+            </a:pPr>
+            <a:r>
+              <a:rPr lang="en-US" sz="2400" dirty="0">
+                <a:solidFill>
+                  <a:prstClr val="white"/>
+                </a:solidFill>
+                <a:effectLst>
+                  <a:outerShdw blurRad="152400" dist="38100" dir="2700000" algn="tl">
+                    <a:srgbClr val="000000">
+                      <a:alpha val="36000"/>
+                    </a:srgbClr>
+                  </a:outerShdw>
+                </a:effectLst>
+              </a:rPr>
+              <a:t>Interests in Radio signals</a:t>
+            </a:r>
+          </a:p>
+          <a:p>
+            <a:pPr marL="285750" lvl="0" indent="-285750" defTabSz="914400">
+              <a:lnSpc>
+                <a:spcPct val="120000"/>
+              </a:lnSpc>
+              <a:spcBef>
+                <a:spcPts val="1000"/>
+              </a:spcBef>
+              <a:buSzPct val="125000"/>
+              <a:buFont typeface="Arial" panose="020B0604020202020204" pitchFamily="34" charset="0"/>
+              <a:buChar char="•"/>
+            </a:pPr>
+            <a:r>
+              <a:rPr lang="en-US" sz="2400" dirty="0">
+                <a:solidFill>
+                  <a:prstClr val="white"/>
+                </a:solidFill>
+                <a:effectLst>
+                  <a:outerShdw blurRad="152400" dist="38100" dir="2700000" algn="tl">
+                    <a:srgbClr val="000000">
+                      <a:alpha val="36000"/>
+                    </a:srgbClr>
+                  </a:outerShdw>
+                </a:effectLst>
+              </a:rPr>
+              <a:t>Battery operation for range extension</a:t>
+            </a:r>
+          </a:p>
+          <a:p>
+            <a:pPr marL="285750" lvl="0" indent="-285750" defTabSz="914400">
+              <a:lnSpc>
+                <a:spcPct val="120000"/>
+              </a:lnSpc>
+              <a:spcBef>
+                <a:spcPts val="1000"/>
+              </a:spcBef>
+              <a:buSzPct val="125000"/>
+              <a:buFont typeface="Arial" panose="020B0604020202020204" pitchFamily="34" charset="0"/>
+              <a:buChar char="•"/>
+            </a:pPr>
+            <a:r>
+              <a:rPr lang="en-US" sz="2400" dirty="0">
+                <a:solidFill>
+                  <a:prstClr val="white"/>
+                </a:solidFill>
+                <a:effectLst>
+                  <a:outerShdw blurRad="152400" dist="38100" dir="2700000" algn="tl">
+                    <a:srgbClr val="000000">
+                      <a:alpha val="36000"/>
+                    </a:srgbClr>
+                  </a:outerShdw>
+                </a:effectLst>
+              </a:rPr>
+              <a:t>Original concepts included mechanical aspects for actuation</a:t>
+            </a:r>
+          </a:p>
+          <a:p>
+            <a:pPr marL="228600" lvl="0" indent="-228600" defTabSz="914400">
+              <a:lnSpc>
+                <a:spcPct val="120000"/>
+              </a:lnSpc>
+              <a:spcBef>
+                <a:spcPts val="1000"/>
+              </a:spcBef>
+              <a:buSzPct val="125000"/>
+              <a:buFont typeface="Arial" panose="020B0604020202020204" pitchFamily="34" charset="0"/>
+              <a:buChar char="•"/>
+            </a:pPr>
+            <a:endParaRPr lang="en-US" sz="2400" dirty="0">
+              <a:solidFill>
+                <a:prstClr val="white"/>
+              </a:solidFill>
+              <a:effectLst>
+                <a:outerShdw blurRad="152400" dist="38100" dir="2700000" algn="tl">
+                  <a:srgbClr val="000000">
+                    <a:alpha val="36000"/>
+                  </a:srgbClr>
+                </a:outerShdw>
+              </a:effectLst>
+            </a:endParaRPr>
+          </a:p>
+        </p:txBody>
+      </p:sp>
+      <p:pic>
+        <p:nvPicPr>
+          <p:cNvPr id="7" name="Picture 6"/>
+          <p:cNvPicPr>
+            <a:picLocks noChangeAspect="1"/>
+          </p:cNvPicPr>
+          <p:nvPr/>
+        </p:nvPicPr>
+        <p:blipFill>
+          <a:blip r:embed="rId2"/>
+          <a:stretch>
+            <a:fillRect/>
+          </a:stretch>
+        </p:blipFill>
+        <p:spPr>
+          <a:xfrm>
+            <a:off x="7280672" y="545692"/>
+            <a:ext cx="3865199" cy="5383235"/>
+          </a:xfrm>
+          <a:prstGeom prst="rect">
+            <a:avLst/>
+          </a:prstGeom>
+        </p:spPr>
+      </p:pic>
+      <p:sp>
+        <p:nvSpPr>
+          <p:cNvPr id="8" name="Rectangle 7"/>
+          <p:cNvSpPr/>
+          <p:nvPr/>
+        </p:nvSpPr>
+        <p:spPr>
+          <a:xfrm>
+            <a:off x="1141409" y="3206237"/>
+            <a:ext cx="3111749" cy="646331"/>
+          </a:xfrm>
+          <a:prstGeom prst="rect">
+            <a:avLst/>
+          </a:prstGeom>
+        </p:spPr>
+        <p:txBody>
+          <a:bodyPr wrap="none">
+            <a:spAutoFit/>
+          </a:bodyPr>
+          <a:lstStyle/>
+          <a:p>
+            <a:r>
+              <a:rPr lang="en-US" sz="3600" cap="all" dirty="0" smtClean="0">
+                <a:solidFill>
+                  <a:prstClr val="white"/>
+                </a:solidFill>
+                <a:effectLst>
+                  <a:outerShdw blurRad="177800" dist="38100" dir="2700000" algn="tl">
+                    <a:srgbClr val="000000">
+                      <a:alpha val="24000"/>
+                    </a:srgbClr>
+                  </a:outerShdw>
+                </a:effectLst>
+              </a:rPr>
+              <a:t>Motivation</a:t>
+            </a:r>
+            <a:endParaRPr lang="en-US" dirty="0"/>
           </a:p>
         </p:txBody>
       </p:sp>
@@ -13788,7 +14711,7 @@
           <a:p>
             <a:r>
               <a:rPr lang="en-US" dirty="0" smtClean="0"/>
-              <a:t>Motivation</a:t>
+              <a:t>Objective</a:t>
             </a:r>
             <a:endParaRPr lang="en-US" dirty="0"/>
           </a:p>
@@ -13796,24 +14719,12 @@
       </p:sp>
       <p:sp>
         <p:nvSpPr>
-          <p:cNvPr id="3" name="Picture Placeholder 2"/>
+          <p:cNvPr id="3" name="Content Placeholder 2"/>
           <p:cNvSpPr>
             <a:spLocks noGrp="1"/>
           </p:cNvSpPr>
           <p:nvPr>
-            <p:ph type="pic" idx="1"/>
-          </p:nvPr>
-        </p:nvSpPr>
-        <p:spPr/>
-      </p:sp>
-      <p:sp>
-        <p:nvSpPr>
-          <p:cNvPr id="4" name="Text Placeholder 3"/>
-          <p:cNvSpPr>
-            <a:spLocks noGrp="1"/>
-          </p:cNvSpPr>
-          <p:nvPr>
-            <p:ph type="body" sz="half" idx="2"/>
+            <p:ph idx="1"/>
           </p:nvPr>
         </p:nvSpPr>
         <p:spPr/>
@@ -13821,14 +14732,124 @@
           <a:bodyPr/>
           <a:lstStyle/>
           <a:p>
-            <a:endParaRPr lang="en-US"/>
+            <a:r>
+              <a:rPr lang="en-US" dirty="0" smtClean="0"/>
+              <a:t>Develop a working prototype with four units that can communicate to each other when they sense motion.</a:t>
+            </a:r>
+          </a:p>
+          <a:p>
+            <a:r>
+              <a:rPr lang="en-US" dirty="0" smtClean="0"/>
+              <a:t>Utilize </a:t>
+            </a:r>
+            <a:r>
+              <a:rPr lang="en-US" dirty="0" smtClean="0"/>
+              <a:t>wireless signals </a:t>
+            </a:r>
+            <a:r>
+              <a:rPr lang="en-US" dirty="0" smtClean="0"/>
+              <a:t>within (Hz range) adhering to </a:t>
+            </a:r>
+            <a:r>
+              <a:rPr lang="en-US" dirty="0" smtClean="0"/>
+              <a:t>FCC regulations</a:t>
+            </a:r>
+            <a:endParaRPr lang="en-US" dirty="0" smtClean="0"/>
+          </a:p>
+          <a:p>
+            <a:r>
+              <a:rPr lang="en-US" dirty="0" smtClean="0"/>
+              <a:t>Rely on battery power to reduce bulk and understand the current dissipation </a:t>
+            </a:r>
+            <a:r>
+              <a:rPr lang="en-US" dirty="0" err="1" smtClean="0"/>
+              <a:t>vs</a:t>
+            </a:r>
+            <a:r>
+              <a:rPr lang="en-US" dirty="0" smtClean="0"/>
+              <a:t> voltage</a:t>
+            </a:r>
+            <a:endParaRPr lang="en-US" dirty="0"/>
+          </a:p>
+        </p:txBody>
+      </p:sp>
+      <p:sp>
+        <p:nvSpPr>
+          <p:cNvPr id="4" name="WordArt 2"/>
+          <p:cNvSpPr>
+            <a:spLocks noChangeArrowheads="1" noChangeShapeType="1" noTextEdit="1"/>
+          </p:cNvSpPr>
+          <p:nvPr/>
+        </p:nvSpPr>
+        <p:spPr bwMode="auto">
+          <a:xfrm>
+            <a:off x="9706840" y="6317029"/>
+            <a:ext cx="2171700" cy="269875"/>
+          </a:xfrm>
+          <a:prstGeom prst="rect">
+            <a:avLst/>
+          </a:prstGeom>
+          <a:extLst>
+            <a:ext uri="{AF507438-7753-43E0-B8FC-AC1667EBCBE1}">
+              <a14:hiddenEffects xmlns:a14="http://schemas.microsoft.com/office/drawing/2010/main">
+                <a:effectLst/>
+              </a14:hiddenEffects>
+            </a:ext>
+          </a:extLst>
+        </p:spPr>
+        <p:txBody>
+          <a:bodyPr wrap="none" fromWordArt="1">
+            <a:prstTxWarp prst="textPlain">
+              <a:avLst>
+                <a:gd name="adj" fmla="val 50000"/>
+              </a:avLst>
+            </a:prstTxWarp>
+          </a:bodyPr>
+          <a:lstStyle/>
+          <a:p>
+            <a:pPr algn="ctr" rtl="0">
+              <a:buNone/>
+            </a:pPr>
+            <a:r>
+              <a:rPr lang="en-US" sz="3600" kern="10" spc="0" smtClean="0">
+                <a:ln w="9525">
+                  <a:solidFill>
+                    <a:srgbClr val="000000"/>
+                  </a:solidFill>
+                  <a:round/>
+                  <a:headEnd/>
+                  <a:tailEnd/>
+                </a:ln>
+                <a:solidFill>
+                  <a:srgbClr val="FFFFFF"/>
+                </a:solidFill>
+                <a:effectLst/>
+                <a:latin typeface="Arial Black" panose="020B0A04020102020204" pitchFamily="34" charset="0"/>
+              </a:rPr>
+              <a:t>SignalSenders</a:t>
+            </a:r>
+            <a:endParaRPr lang="en-US" sz="3600" kern="10" spc="0">
+              <a:ln w="9525">
+                <a:solidFill>
+                  <a:srgbClr val="000000"/>
+                </a:solidFill>
+                <a:round/>
+                <a:headEnd/>
+                <a:tailEnd/>
+              </a:ln>
+              <a:solidFill>
+                <a:srgbClr val="FFFFFF"/>
+              </a:solidFill>
+              <a:effectLst/>
+              <a:latin typeface="Arial Black" panose="020B0A04020102020204" pitchFamily="34" charset="0"/>
+            </a:endParaRPr>
           </a:p>
         </p:txBody>
       </p:sp>
     </p:spTree>
     <p:extLst>
       <p:ext uri="{BB962C8B-B14F-4D97-AF65-F5344CB8AC3E}">
-        <p14:creationId xmlns:p14="http://schemas.microsoft.com/office/powerpoint/2010/main" val="156458535"/>
+        <p14:creationId xmlns:p14="http://schemas.microsoft.com/office/powerpoint/2010/main" val="901482607"/>
       </p:ext>
     </p:extLst>
   </p:cSld>
@@ -13879,7 +14900,7 @@
           <a:p>
             <a:r>
               <a:rPr lang="en-US" dirty="0" smtClean="0"/>
-              <a:t>Objective</a:t>
+              <a:t>Alternatives</a:t>
             </a:r>
             <a:endParaRPr lang="en-US" dirty="0"/>
           </a:p>
@@ -13887,12 +14908,12 @@
       </p:sp>
       <p:sp>
         <p:nvSpPr>
-          <p:cNvPr id="3" name="Content Placeholder 2"/>
+          <p:cNvPr id="3" name="Text Placeholder 2"/>
           <p:cNvSpPr>
             <a:spLocks noGrp="1"/>
           </p:cNvSpPr>
           <p:nvPr>
-            <p:ph idx="1"/>
+            <p:ph type="body" idx="1"/>
           </p:nvPr>
         </p:nvSpPr>
         <p:spPr/>
@@ -13902,24 +14923,160 @@
           <a:p>
             <a:r>
               <a:rPr lang="en-US" dirty="0" smtClean="0"/>
-              <a:t>Develop a working prototype with four units that can communicate to </a:t>
-            </a:r>
+              <a:t>Wired</a:t>
+            </a:r>
+            <a:endParaRPr lang="en-US" dirty="0"/>
+          </a:p>
+        </p:txBody>
+      </p:sp>
+      <p:sp>
+        <p:nvSpPr>
+          <p:cNvPr id="4" name="Content Placeholder 3"/>
+          <p:cNvSpPr>
+            <a:spLocks noGrp="1"/>
+          </p:cNvSpPr>
+          <p:nvPr>
+            <p:ph sz="half" idx="2"/>
+          </p:nvPr>
+        </p:nvSpPr>
+        <p:spPr/>
+        <p:txBody>
+          <a:bodyPr/>
+          <a:lstStyle/>
+          <a:p>
+            <a:r>
+              <a:rPr lang="en-US" dirty="0" smtClean="0"/>
+              <a:t>Difficult to implement in large range spans</a:t>
+            </a:r>
+          </a:p>
+          <a:p>
+            <a:endParaRPr lang="en-US" dirty="0"/>
+          </a:p>
+        </p:txBody>
+      </p:sp>
+      <p:sp>
+        <p:nvSpPr>
+          <p:cNvPr id="5" name="Text Placeholder 4"/>
+          <p:cNvSpPr>
+            <a:spLocks noGrp="1"/>
+          </p:cNvSpPr>
+          <p:nvPr>
+            <p:ph type="body" sz="quarter" idx="3"/>
+          </p:nvPr>
+        </p:nvSpPr>
+        <p:spPr/>
+        <p:txBody>
+          <a:bodyPr/>
+          <a:lstStyle/>
+          <a:p>
             <a:r>
               <a:rPr lang="en-US" dirty="0" err="1" smtClean="0"/>
-              <a:t>eachother</a:t>
-            </a:r>
+              <a:t>Wi-fi</a:t>
+            </a:r>
+            <a:endParaRPr lang="en-US" dirty="0"/>
+          </a:p>
+        </p:txBody>
+      </p:sp>
+      <p:sp>
+        <p:nvSpPr>
+          <p:cNvPr id="6" name="Content Placeholder 5"/>
+          <p:cNvSpPr>
+            <a:spLocks noGrp="1"/>
+          </p:cNvSpPr>
+          <p:nvPr>
+            <p:ph sz="quarter" idx="4"/>
+          </p:nvPr>
+        </p:nvSpPr>
+        <p:spPr/>
+        <p:txBody>
+          <a:bodyPr/>
+          <a:lstStyle/>
+          <a:p>
             <a:r>
               <a:rPr lang="en-US" dirty="0" smtClean="0"/>
-              <a:t> when they sense motion.</a:t>
+              <a:t>Bluetooth was also explored</a:t>
             </a:r>
             <a:endParaRPr lang="en-US" dirty="0"/>
+          </a:p>
+        </p:txBody>
+      </p:sp>
+      <p:sp>
+        <p:nvSpPr>
+          <p:cNvPr id="7" name="WordArt 2"/>
+          <p:cNvSpPr>
+            <a:spLocks noChangeArrowheads="1" noChangeShapeType="1" noTextEdit="1"/>
+          </p:cNvSpPr>
+          <p:nvPr/>
+        </p:nvSpPr>
+        <p:spPr bwMode="auto">
+          <a:xfrm>
+            <a:off x="9706840" y="6317029"/>
+            <a:ext cx="2171700" cy="269875"/>
+          </a:xfrm>
+          <a:prstGeom prst="rect">
+            <a:avLst/>
+          </a:prstGeom>
+          <a:extLst>
+            <a:ext uri="{AF507438-7753-43E0-B8FC-AC1667EBCBE1}">
+              <a14:hiddenEffects xmlns:a14="http://schemas.microsoft.com/office/drawing/2010/main">
+                <a:effectLst/>
+              </a14:hiddenEffects>
+            </a:ext>
+          </a:extLst>
+        </p:spPr>
+        <p:txBody>
+          <a:bodyPr wrap="none" fromWordArt="1">
+            <a:prstTxWarp prst="textPlain">
+              <a:avLst>
+                <a:gd name="adj" fmla="val 50000"/>
+              </a:avLst>
+            </a:prstTxWarp>
+          </a:bodyPr>
+          <a:lstStyle/>
+          <a:p>
+            <a:pPr algn="ctr" rtl="0">
+              <a:buNone/>
+            </a:pPr>
+            <a:r>
+              <a:rPr lang="en-US" sz="3600" kern="10" spc="0" smtClean="0">
+                <a:ln w="9525">
+                  <a:solidFill>
+                    <a:srgbClr val="000000"/>
+                  </a:solidFill>
+                  <a:round/>
+                  <a:headEnd/>
+                  <a:tailEnd/>
+                </a:ln>
+                <a:solidFill>
+                  <a:srgbClr val="FFFFFF"/>
+                </a:solidFill>
+                <a:effectLst/>
+                <a:latin typeface="Arial Black" panose="020B0A04020102020204" pitchFamily="34" charset="0"/>
+              </a:rPr>
+              <a:t>SignalSenders</a:t>
+            </a:r>
+            <a:endParaRPr lang="en-US" sz="3600" kern="10" spc="0">
+              <a:ln w="9525">
+                <a:solidFill>
+                  <a:srgbClr val="000000"/>
+                </a:solidFill>
+                <a:round/>
+                <a:headEnd/>
+                <a:tailEnd/>
+              </a:ln>
+              <a:solidFill>
+                <a:srgbClr val="FFFFFF"/>
+              </a:solidFill>
+              <a:effectLst/>
+              <a:latin typeface="Arial Black" panose="020B0A04020102020204" pitchFamily="34" charset="0"/>
+            </a:endParaRPr>
           </a:p>
         </p:txBody>
       </p:sp>
     </p:spTree>
     <p:extLst>
       <p:ext uri="{BB962C8B-B14F-4D97-AF65-F5344CB8AC3E}">
-        <p14:creationId xmlns:p14="http://schemas.microsoft.com/office/powerpoint/2010/main" val="901482607"/>
+        <p14:creationId xmlns:p14="http://schemas.microsoft.com/office/powerpoint/2010/main" val="1232736838"/>
       </p:ext>
     </p:extLst>
   </p:cSld>
@@ -13963,14 +15120,19 @@
             <p:ph type="title"/>
           </p:nvPr>
         </p:nvSpPr>
-        <p:spPr/>
+        <p:spPr>
+          <a:xfrm>
+            <a:off x="1141413" y="401782"/>
+            <a:ext cx="9905998" cy="1905000"/>
+          </a:xfrm>
+        </p:spPr>
         <p:txBody>
           <a:bodyPr/>
           <a:lstStyle/>
           <a:p>
             <a:r>
               <a:rPr lang="en-US" dirty="0" smtClean="0"/>
-              <a:t>Alternatives</a:t>
+              <a:t>Requirements</a:t>
             </a:r>
             <a:endParaRPr lang="en-US" dirty="0"/>
           </a:p>
@@ -13986,35 +15148,69 @@
             <p:ph type="body" idx="1"/>
           </p:nvPr>
         </p:nvSpPr>
-        <p:spPr/>
+        <p:spPr>
+          <a:xfrm>
+            <a:off x="429648" y="1828804"/>
+            <a:ext cx="3535525" cy="685800"/>
+          </a:xfrm>
+        </p:spPr>
         <p:txBody>
           <a:bodyPr/>
           <a:lstStyle/>
           <a:p>
             <a:r>
-              <a:rPr lang="en-US" dirty="0" smtClean="0"/>
-              <a:t>Wired</a:t>
-            </a:r>
-            <a:endParaRPr lang="en-US" dirty="0"/>
-          </a:p>
-        </p:txBody>
-      </p:sp>
-      <p:sp>
-        <p:nvSpPr>
-          <p:cNvPr id="4" name="Content Placeholder 3"/>
+              <a:rPr lang="en-US" sz="2800" dirty="0" smtClean="0"/>
+              <a:t>Motion Sensor</a:t>
+            </a:r>
+            <a:endParaRPr lang="en-US" sz="2800" dirty="0"/>
+          </a:p>
+        </p:txBody>
+      </p:sp>
+      <p:sp>
+        <p:nvSpPr>
+          <p:cNvPr id="4" name="Text Placeholder 3"/>
           <p:cNvSpPr>
             <a:spLocks noGrp="1"/>
           </p:cNvSpPr>
           <p:nvPr>
-            <p:ph sz="half" idx="2"/>
+            <p:ph type="body" sz="half" idx="15"/>
           </p:nvPr>
         </p:nvSpPr>
-        <p:spPr/>
+        <p:spPr>
+          <a:xfrm>
+            <a:off x="377850" y="2442985"/>
+            <a:ext cx="3195240" cy="3014748"/>
+          </a:xfrm>
+        </p:spPr>
         <p:txBody>
           <a:bodyPr/>
           <a:lstStyle/>
           <a:p>
-            <a:endParaRPr lang="en-US"/>
+            <a:pPr marL="285750" indent="-285750">
+              <a:buFont typeface="Arial" panose="020B0604020202020204" pitchFamily="34" charset="0"/>
+              <a:buChar char="•"/>
+            </a:pPr>
+            <a:r>
+              <a:rPr lang="en-US" sz="2000" dirty="0" smtClean="0"/>
+              <a:t>Used to sense motion within a specified range </a:t>
+            </a:r>
+          </a:p>
+          <a:p>
+            <a:pPr marL="285750" indent="-285750">
+              <a:buFont typeface="Arial" panose="020B0604020202020204" pitchFamily="34" charset="0"/>
+              <a:buChar char="•"/>
+            </a:pPr>
+            <a:r>
+              <a:rPr lang="en-US" sz="2000" dirty="0" smtClean="0"/>
+              <a:t>Signal used to send specified signal to microcontroller for further processing</a:t>
+            </a:r>
+          </a:p>
+          <a:p>
+            <a:pPr marL="285750" indent="-285750">
+              <a:buFont typeface="Arial" panose="020B0604020202020204" pitchFamily="34" charset="0"/>
+              <a:buChar char="•"/>
+            </a:pPr>
+            <a:endParaRPr lang="en-US" dirty="0"/>
           </a:p>
         </p:txBody>
       </p:sp>
@@ -14028,42 +15224,227 @@
             <p:ph type="body" sz="quarter" idx="3"/>
           </p:nvPr>
         </p:nvSpPr>
-        <p:spPr/>
+        <p:spPr>
+          <a:xfrm>
+            <a:off x="4058459" y="1826568"/>
+            <a:ext cx="3813695" cy="685800"/>
+          </a:xfrm>
+        </p:spPr>
         <p:txBody>
           <a:bodyPr/>
           <a:lstStyle/>
           <a:p>
             <a:r>
-              <a:rPr lang="en-US" dirty="0" err="1" smtClean="0"/>
-              <a:t>Wifi</a:t>
-            </a:r>
-            <a:endParaRPr lang="en-US" dirty="0"/>
-          </a:p>
-        </p:txBody>
-      </p:sp>
-      <p:sp>
-        <p:nvSpPr>
-          <p:cNvPr id="6" name="Content Placeholder 5"/>
+              <a:rPr lang="en-US" sz="2800" dirty="0" smtClean="0"/>
+              <a:t>microcontroller</a:t>
+            </a:r>
+            <a:endParaRPr lang="en-US" sz="2800" dirty="0"/>
+          </a:p>
+        </p:txBody>
+      </p:sp>
+      <p:sp>
+        <p:nvSpPr>
+          <p:cNvPr id="6" name="Text Placeholder 5"/>
           <p:cNvSpPr>
             <a:spLocks noGrp="1"/>
           </p:cNvSpPr>
           <p:nvPr>
-            <p:ph sz="quarter" idx="4"/>
+            <p:ph type="body" sz="half" idx="16"/>
           </p:nvPr>
         </p:nvSpPr>
-        <p:spPr/>
+        <p:spPr>
+          <a:xfrm>
+            <a:off x="3983644" y="2448099"/>
+            <a:ext cx="4345709" cy="3017920"/>
+          </a:xfrm>
+        </p:spPr>
+        <p:txBody>
+          <a:bodyPr>
+            <a:noAutofit/>
+          </a:bodyPr>
+          <a:lstStyle/>
+          <a:p>
+            <a:pPr marL="285750" indent="-285750">
+              <a:buFont typeface="Arial" panose="020B0604020202020204" pitchFamily="34" charset="0"/>
+              <a:buChar char="•"/>
+            </a:pPr>
+            <a:r>
+              <a:rPr lang="en-US" sz="2000" dirty="0" smtClean="0"/>
+              <a:t>Central to the operation of this system</a:t>
+            </a:r>
+          </a:p>
+          <a:p>
+            <a:pPr marL="285750" indent="-285750">
+              <a:buFont typeface="Arial" panose="020B0604020202020204" pitchFamily="34" charset="0"/>
+              <a:buChar char="•"/>
+            </a:pPr>
+            <a:r>
+              <a:rPr lang="en-US" sz="2000" dirty="0" smtClean="0"/>
+              <a:t>Takes signal from IR and tells the RF module to send a signal that it detected motion</a:t>
+            </a:r>
+          </a:p>
+          <a:p>
+            <a:pPr marL="285750" indent="-285750">
+              <a:buFont typeface="Arial" panose="020B0604020202020204" pitchFamily="34" charset="0"/>
+              <a:buChar char="•"/>
+            </a:pPr>
+            <a:r>
+              <a:rPr lang="en-US" sz="2000" dirty="0" smtClean="0"/>
+              <a:t>Takes signal from RF module that another unit sensed motion and light up the corresponding LED associated with the unit ID</a:t>
+            </a:r>
+            <a:endParaRPr lang="en-US" sz="2000" dirty="0"/>
+          </a:p>
+        </p:txBody>
+      </p:sp>
+      <p:sp>
+        <p:nvSpPr>
+          <p:cNvPr id="7" name="Text Placeholder 6"/>
+          <p:cNvSpPr>
+            <a:spLocks noGrp="1"/>
+          </p:cNvSpPr>
+          <p:nvPr>
+            <p:ph type="body" sz="quarter" idx="13"/>
+          </p:nvPr>
+        </p:nvSpPr>
+        <p:spPr>
+          <a:xfrm>
+            <a:off x="8500836" y="1818256"/>
+            <a:ext cx="3544308" cy="685800"/>
+          </a:xfrm>
+        </p:spPr>
         <p:txBody>
           <a:bodyPr/>
           <a:lstStyle/>
           <a:p>
-            <a:endParaRPr lang="en-US"/>
+            <a:r>
+              <a:rPr lang="en-US" sz="2800" dirty="0" smtClean="0"/>
+              <a:t>Signal </a:t>
+            </a:r>
+            <a:endParaRPr lang="en-US" sz="2800" dirty="0"/>
+          </a:p>
+        </p:txBody>
+      </p:sp>
+      <p:sp>
+        <p:nvSpPr>
+          <p:cNvPr id="8" name="Text Placeholder 7"/>
+          <p:cNvSpPr>
+            <a:spLocks noGrp="1"/>
+          </p:cNvSpPr>
+          <p:nvPr>
+            <p:ph type="body" sz="half" idx="17"/>
+          </p:nvPr>
+        </p:nvSpPr>
+        <p:spPr>
+          <a:xfrm>
+            <a:off x="8442646" y="2455678"/>
+            <a:ext cx="3602497" cy="3730588"/>
+          </a:xfrm>
+        </p:spPr>
+        <p:txBody>
+          <a:bodyPr>
+            <a:noAutofit/>
+          </a:bodyPr>
+          <a:lstStyle/>
+          <a:p>
+            <a:pPr marL="285750" indent="-285750">
+              <a:buFont typeface="Arial" panose="020B0604020202020204" pitchFamily="34" charset="0"/>
+              <a:buChar char="•"/>
+            </a:pPr>
+            <a:r>
+              <a:rPr lang="en-US" sz="2000" dirty="0" smtClean="0"/>
+              <a:t>In standby listening for a signal from the other units to send to the microcontroller</a:t>
+            </a:r>
+          </a:p>
+          <a:p>
+            <a:pPr marL="285750" indent="-285750">
+              <a:buFont typeface="Arial" panose="020B0604020202020204" pitchFamily="34" charset="0"/>
+              <a:buChar char="•"/>
+            </a:pPr>
+            <a:r>
+              <a:rPr lang="en-US" sz="2000" dirty="0" smtClean="0"/>
+              <a:t>When prompted from the Microcontroller a signal with unit ID is transmitted to the other units</a:t>
+            </a:r>
+            <a:endParaRPr lang="en-US" sz="2000" dirty="0"/>
+          </a:p>
+        </p:txBody>
+      </p:sp>
+      <p:sp>
+        <p:nvSpPr>
+          <p:cNvPr id="9" name="WordArt 2"/>
+          <p:cNvSpPr>
+            <a:spLocks noChangeArrowheads="1" noChangeShapeType="1" noTextEdit="1"/>
+          </p:cNvSpPr>
+          <p:nvPr/>
+        </p:nvSpPr>
+        <p:spPr bwMode="auto">
+          <a:xfrm>
+            <a:off x="9706840" y="6317029"/>
+            <a:ext cx="2171700" cy="269875"/>
+          </a:xfrm>
+          <a:prstGeom prst="rect">
+            <a:avLst/>
+          </a:prstGeom>
+          <a:extLst>
+            <a:ext uri="{AF507438-7753-43E0-B8FC-AC1667EBCBE1}">
+              <a14:hiddenEffects xmlns:a14="http://schemas.microsoft.com/office/drawing/2010/main">
+                <a:effectLst/>
+              </a14:hiddenEffects>
+            </a:ext>
+          </a:extLst>
+        </p:spPr>
+        <p:txBody>
+          <a:bodyPr wrap="none" fromWordArt="1">
+            <a:prstTxWarp prst="textPlain">
+              <a:avLst>
+                <a:gd name="adj" fmla="val 50000"/>
+              </a:avLst>
+            </a:prstTxWarp>
+          </a:bodyPr>
+          <a:lstStyle/>
+          <a:p>
+            <a:pPr algn="ctr" rtl="0">
+              <a:buNone/>
+            </a:pPr>
+            <a:r>
+              <a:rPr lang="en-US" sz="3600" kern="10" spc="0" smtClean="0">
+                <a:ln w="9525">
+                  <a:solidFill>
+                    <a:srgbClr val="000000"/>
+                  </a:solidFill>
+                  <a:round/>
+                  <a:headEnd/>
+                  <a:tailEnd/>
+                </a:ln>
+                <a:solidFill>
+                  <a:srgbClr val="FFFFFF"/>
+                </a:solidFill>
+                <a:effectLst/>
+                <a:latin typeface="Arial Black" panose="020B0A04020102020204" pitchFamily="34" charset="0"/>
+              </a:rPr>
+              <a:t>SignalSenders</a:t>
+            </a:r>
+            <a:endParaRPr lang="en-US" sz="3600" kern="10" spc="0">
+              <a:ln w="9525">
+                <a:solidFill>
+                  <a:srgbClr val="000000"/>
+                </a:solidFill>
+                <a:round/>
+                <a:headEnd/>
+                <a:tailEnd/>
+              </a:ln>
+              <a:solidFill>
+                <a:srgbClr val="FFFFFF"/>
+              </a:solidFill>
+              <a:effectLst/>
+              <a:latin typeface="Arial Black" panose="020B0A04020102020204" pitchFamily="34" charset="0"/>
+            </a:endParaRPr>
           </a:p>
         </p:txBody>
       </p:sp>
     </p:spTree>
     <p:extLst>
       <p:ext uri="{BB962C8B-B14F-4D97-AF65-F5344CB8AC3E}">
-        <p14:creationId xmlns:p14="http://schemas.microsoft.com/office/powerpoint/2010/main" val="1232736838"/>
+        <p14:creationId xmlns:p14="http://schemas.microsoft.com/office/powerpoint/2010/main" val="698799971"/>
       </p:ext>
     </p:extLst>
   </p:cSld>
@@ -14114,7 +15495,7 @@
           <a:p>
             <a:r>
               <a:rPr lang="en-US" dirty="0" smtClean="0"/>
-              <a:t>Requirements</a:t>
+              <a:t>Approach</a:t>
             </a:r>
             <a:endParaRPr lang="en-US" dirty="0"/>
           </a:p>
@@ -14122,138 +15503,211 @@
       </p:sp>
       <p:sp>
         <p:nvSpPr>
-          <p:cNvPr id="3" name="Text Placeholder 2"/>
-          <p:cNvSpPr>
-            <a:spLocks noGrp="1"/>
-          </p:cNvSpPr>
+          <p:cNvPr id="4" name="WordArt 2"/>
+          <p:cNvSpPr>
+            <a:spLocks noChangeArrowheads="1" noChangeShapeType="1" noTextEdit="1"/>
+          </p:cNvSpPr>
+          <p:nvPr/>
+        </p:nvSpPr>
+        <p:spPr bwMode="auto">
+          <a:xfrm>
+            <a:off x="9706840" y="6317029"/>
+            <a:ext cx="2171700" cy="269875"/>
+          </a:xfrm>
+          <a:prstGeom prst="rect">
+            <a:avLst/>
+          </a:prstGeom>
+          <a:extLst>
+            <a:ext uri="{AF507438-7753-43E0-B8FC-AC1667EBCBE1}">
+              <a14:hiddenEffects xmlns:a14="http://schemas.microsoft.com/office/drawing/2010/main">
+                <a:effectLst/>
+              </a14:hiddenEffects>
+            </a:ext>
+          </a:extLst>
+        </p:spPr>
+        <p:txBody>
+          <a:bodyPr wrap="none" fromWordArt="1">
+            <a:prstTxWarp prst="textPlain">
+              <a:avLst>
+                <a:gd name="adj" fmla="val 50000"/>
+              </a:avLst>
+            </a:prstTxWarp>
+          </a:bodyPr>
+          <a:lstStyle/>
+          <a:p>
+            <a:pPr algn="ctr" rtl="0">
+              <a:buNone/>
+            </a:pPr>
+            <a:r>
+              <a:rPr lang="en-US" sz="3600" kern="10" spc="0" smtClean="0">
+                <a:ln w="9525">
+                  <a:solidFill>
+                    <a:srgbClr val="000000"/>
+                  </a:solidFill>
+                  <a:round/>
+                  <a:headEnd/>
+                  <a:tailEnd/>
+                </a:ln>
+                <a:solidFill>
+                  <a:srgbClr val="FFFFFF"/>
+                </a:solidFill>
+                <a:effectLst/>
+                <a:latin typeface="Arial Black" panose="020B0A04020102020204" pitchFamily="34" charset="0"/>
+              </a:rPr>
+              <a:t>SignalSenders</a:t>
+            </a:r>
+            <a:endParaRPr lang="en-US" sz="3600" kern="10" spc="0">
+              <a:ln w="9525">
+                <a:solidFill>
+                  <a:srgbClr val="000000"/>
+                </a:solidFill>
+                <a:round/>
+                <a:headEnd/>
+                <a:tailEnd/>
+              </a:ln>
+              <a:solidFill>
+                <a:srgbClr val="FFFFFF"/>
+              </a:solidFill>
+              <a:effectLst/>
+              <a:latin typeface="Arial Black" panose="020B0A04020102020204" pitchFamily="34" charset="0"/>
+            </a:endParaRPr>
+          </a:p>
+        </p:txBody>
+      </p:sp>
+      <p:sp>
+        <p:nvSpPr>
+          <p:cNvPr id="5" name="Rectangle 2"/>
+          <p:cNvSpPr>
+            <a:spLocks noChangeArrowheads="1"/>
+          </p:cNvSpPr>
+          <p:nvPr/>
+        </p:nvSpPr>
+        <p:spPr bwMode="auto">
+          <a:xfrm>
+            <a:off x="2335877" y="290945"/>
+            <a:ext cx="12192000" cy="0"/>
+          </a:xfrm>
+          <a:prstGeom prst="rect">
+            <a:avLst/>
+          </a:prstGeom>
+          <a:noFill/>
+          <a:ln>
+            <a:noFill/>
+          </a:ln>
+          <a:effectLst/>
+          <a:extLst>
+            <a:ext uri="{909E8E84-426E-40DD-AFC4-6F175D3DCCD1}">
+              <a14:hiddenFill xmlns:a14="http://schemas.microsoft.com/office/drawing/2010/main">
+                <a:solidFill>
+                  <a:schemeClr val="accent1"/>
+                </a:solidFill>
+              </a14:hiddenFill>
+            </a:ext>
+            <a:ext uri="{91240B29-F687-4F45-9708-019B960494DF}">
+              <a14:hiddenLine xmlns:a14="http://schemas.microsoft.com/office/drawing/2010/main" w="9525">
+                <a:solidFill>
+                  <a:schemeClr val="tx1"/>
+                </a:solidFill>
+                <a:miter lim="800000"/>
+                <a:headEnd/>
+                <a:tailEnd/>
+              </a14:hiddenLine>
+            </a:ext>
+            <a:ext uri="{AF507438-7753-43E0-B8FC-AC1667EBCBE1}">
+              <a14:hiddenEffects xmlns:a14="http://schemas.microsoft.com/office/drawing/2010/main">
+                <a:effectLst>
+                  <a:outerShdw dist="35921" dir="2700000" algn="ctr" rotWithShape="0">
+                    <a:schemeClr val="bg2"/>
+                  </a:outerShdw>
+                </a:effectLst>
+              </a14:hiddenEffects>
+            </a:ext>
+          </a:extLst>
+        </p:spPr>
+        <p:txBody>
+          <a:bodyPr vert="horz" wrap="none" lIns="91440" tIns="45720" rIns="91440" bIns="45720" numCol="1" anchor="ctr" anchorCtr="0" compatLnSpc="1">
+            <a:prstTxWarp prst="textNoShape">
+              <a:avLst/>
+            </a:prstTxWarp>
+            <a:spAutoFit/>
+          </a:bodyPr>
+          <a:lstStyle/>
+          <a:p>
+            <a:endParaRPr lang="en-US"/>
+          </a:p>
+        </p:txBody>
+      </p:sp>
+      <p:graphicFrame>
+        <p:nvGraphicFramePr>
+          <p:cNvPr id="7" name="Object 6"/>
+          <p:cNvGraphicFramePr>
+            <a:graphicFrameLocks noChangeAspect="1"/>
+          </p:cNvGraphicFramePr>
           <p:nvPr>
-            <p:ph type="body" idx="1"/>
+            <p:extLst>
+              <p:ext uri="{D42A27DB-BD31-4B8C-83A1-F6EECF244321}">
+                <p14:modId xmlns:p14="http://schemas.microsoft.com/office/powerpoint/2010/main" val="1445026960"/>
+              </p:ext>
+            </p:extLst>
           </p:nvPr>
-        </p:nvSpPr>
-        <p:spPr/>
-        <p:txBody>
-          <a:bodyPr/>
-          <a:lstStyle/>
-          <a:p>
-            <a:r>
-              <a:rPr lang="en-US" dirty="0" err="1" smtClean="0"/>
-              <a:t>Infared</a:t>
-            </a:r>
-            <a:r>
-              <a:rPr lang="en-US" dirty="0" smtClean="0"/>
-              <a:t> motion</a:t>
-            </a:r>
-            <a:endParaRPr lang="en-US" dirty="0"/>
-          </a:p>
-        </p:txBody>
-      </p:sp>
-      <p:sp>
-        <p:nvSpPr>
-          <p:cNvPr id="4" name="Text Placeholder 3"/>
-          <p:cNvSpPr>
-            <a:spLocks noGrp="1"/>
-          </p:cNvSpPr>
-          <p:nvPr>
-            <p:ph type="body" sz="half" idx="15"/>
-          </p:nvPr>
-        </p:nvSpPr>
-        <p:spPr/>
-        <p:txBody>
-          <a:bodyPr/>
-          <a:lstStyle/>
-          <a:p>
-            <a:endParaRPr lang="en-US"/>
-          </a:p>
-        </p:txBody>
-      </p:sp>
-      <p:sp>
-        <p:nvSpPr>
-          <p:cNvPr id="5" name="Text Placeholder 4"/>
-          <p:cNvSpPr>
-            <a:spLocks noGrp="1"/>
-          </p:cNvSpPr>
-          <p:nvPr>
-            <p:ph type="body" sz="quarter" idx="3"/>
-          </p:nvPr>
-        </p:nvSpPr>
-        <p:spPr/>
-        <p:txBody>
-          <a:bodyPr/>
-          <a:lstStyle/>
-          <a:p>
-            <a:r>
-              <a:rPr lang="en-US" dirty="0" smtClean="0"/>
-              <a:t>microcontroller</a:t>
-            </a:r>
-            <a:endParaRPr lang="en-US" dirty="0"/>
-          </a:p>
-        </p:txBody>
-      </p:sp>
-      <p:sp>
-        <p:nvSpPr>
-          <p:cNvPr id="6" name="Text Placeholder 5"/>
-          <p:cNvSpPr>
-            <a:spLocks noGrp="1"/>
-          </p:cNvSpPr>
-          <p:nvPr>
-            <p:ph type="body" sz="half" idx="16"/>
-          </p:nvPr>
-        </p:nvSpPr>
-        <p:spPr/>
-        <p:txBody>
-          <a:bodyPr/>
-          <a:lstStyle/>
-          <a:p>
-            <a:endParaRPr lang="en-US"/>
-          </a:p>
-        </p:txBody>
-      </p:sp>
-      <p:sp>
-        <p:nvSpPr>
-          <p:cNvPr id="7" name="Text Placeholder 6"/>
-          <p:cNvSpPr>
-            <a:spLocks noGrp="1"/>
-          </p:cNvSpPr>
-          <p:nvPr>
-            <p:ph type="body" sz="quarter" idx="13"/>
-          </p:nvPr>
-        </p:nvSpPr>
-        <p:spPr/>
-        <p:txBody>
-          <a:bodyPr/>
-          <a:lstStyle/>
-          <a:p>
-            <a:r>
-              <a:rPr lang="en-US" dirty="0" smtClean="0"/>
-              <a:t>Radio frequency</a:t>
-            </a:r>
-            <a:endParaRPr lang="en-US" dirty="0"/>
-          </a:p>
-        </p:txBody>
-      </p:sp>
-      <p:sp>
-        <p:nvSpPr>
-          <p:cNvPr id="8" name="Text Placeholder 7"/>
-          <p:cNvSpPr>
-            <a:spLocks noGrp="1"/>
-          </p:cNvSpPr>
-          <p:nvPr>
-            <p:ph type="body" sz="half" idx="17"/>
-          </p:nvPr>
-        </p:nvSpPr>
-        <p:spPr/>
-        <p:txBody>
-          <a:bodyPr/>
-          <a:lstStyle/>
-          <a:p>
-            <a:endParaRPr lang="en-US"/>
-          </a:p>
-        </p:txBody>
-      </p:sp>
+        </p:nvGraphicFramePr>
+        <p:xfrm>
+          <a:off x="3634230" y="95270"/>
+          <a:ext cx="5543021" cy="6356696"/>
+        </p:xfrm>
+        <a:graphic>
+          <a:graphicData uri="http://schemas.openxmlformats.org/presentationml/2006/ole">
+            <mc:AlternateContent xmlns:mc="http://schemas.openxmlformats.org/markup-compatibility/2006">
+              <mc:Choice xmlns:v="urn:schemas-microsoft-com:vml" Requires="v">
+                <p:oleObj spid="_x0000_s13320" r:id="rId3" imgW="5067465" imgH="5813949" progId="Visio.Drawing.15">
+                  <p:embed/>
+                </p:oleObj>
+              </mc:Choice>
+              <mc:Fallback>
+                <p:oleObj r:id="rId3" imgW="5067465" imgH="5813949" progId="Visio.Drawing.15">
+                  <p:embed/>
+                  <p:pic>
+                    <p:nvPicPr>
+                      <p:cNvPr id="0" name=""/>
+                      <p:cNvPicPr>
+                        <a:picLocks noChangeAspect="1" noChangeArrowheads="1"/>
+                      </p:cNvPicPr>
+                      <p:nvPr/>
+                    </p:nvPicPr>
+                    <p:blipFill>
+                      <a:blip r:embed="rId4">
+                        <a:extLst>
+                          <a:ext uri="{28A0092B-C50C-407E-A947-70E740481C1C}">
+                            <a14:useLocalDpi xmlns:a14="http://schemas.microsoft.com/office/drawing/2010/main" val="0"/>
+                          </a:ext>
+                        </a:extLst>
+                      </a:blip>
+                      <a:srcRect/>
+                      <a:stretch>
+                        <a:fillRect/>
+                      </a:stretch>
+                    </p:blipFill>
+                    <p:spPr bwMode="auto">
+                      <a:xfrm>
+                        <a:off x="3634230" y="95270"/>
+                        <a:ext cx="5543021" cy="6356696"/>
+                      </a:xfrm>
+                      <a:prstGeom prst="rect">
+                        <a:avLst/>
+                      </a:prstGeom>
+                      <a:noFill/>
+                    </p:spPr>
+                  </p:pic>
+                </p:oleObj>
+              </mc:Fallback>
+            </mc:AlternateContent>
+          </a:graphicData>
+        </a:graphic>
+      </p:graphicFrame>
     </p:spTree>
     <p:extLst>
       <p:ext uri="{BB962C8B-B14F-4D97-AF65-F5344CB8AC3E}">
-        <p14:creationId xmlns:p14="http://schemas.microsoft.com/office/powerpoint/2010/main" val="698799971"/>
+        <p14:creationId xmlns:p14="http://schemas.microsoft.com/office/powerpoint/2010/main" val="1718909740"/>
       </p:ext>
     </p:extLst>
   </p:cSld>
@@ -14287,6 +15741,73 @@
           <a:chExt cx="0" cy="0"/>
         </a:xfrm>
       </p:grpSpPr>
+      <p:graphicFrame>
+        <p:nvGraphicFramePr>
+          <p:cNvPr id="8" name="Object 7"/>
+          <p:cNvGraphicFramePr>
+            <a:graphicFrameLocks noChangeAspect="1"/>
+          </p:cNvGraphicFramePr>
+          <p:nvPr>
+            <p:extLst>
+              <p:ext uri="{D42A27DB-BD31-4B8C-83A1-F6EECF244321}">
+                <p14:modId xmlns:p14="http://schemas.microsoft.com/office/powerpoint/2010/main" val="3663442854"/>
+              </p:ext>
+            </p:extLst>
+          </p:nvPr>
+        </p:nvGraphicFramePr>
+        <p:xfrm>
+          <a:off x="-126171" y="151936"/>
+          <a:ext cx="6975858" cy="6493287"/>
+        </p:xfrm>
+        <a:graphic>
+          <a:graphicData uri="http://schemas.openxmlformats.org/presentationml/2006/ole">
+            <mc:AlternateContent xmlns:mc="http://schemas.openxmlformats.org/markup-compatibility/2006">
+              <mc:Choice xmlns:v="urn:schemas-microsoft-com:vml" Requires="v">
+                <p:oleObj spid="_x0000_s14342" name="Visio" r:id="rId3" imgW="7307545" imgH="6804557" progId="Visio.Drawing.15">
+                  <p:embed/>
+                </p:oleObj>
+              </mc:Choice>
+              <mc:Fallback>
+                <p:oleObj name="Visio" r:id="rId3" imgW="7307545" imgH="6804557" progId="Visio.Drawing.15">
+                  <p:embed/>
+                  <p:pic>
+                    <p:nvPicPr>
+                      <p:cNvPr id="0" name=""/>
+                      <p:cNvPicPr>
+                        <a:picLocks noChangeAspect="1" noChangeArrowheads="1"/>
+                      </p:cNvPicPr>
+                      <p:nvPr/>
+                    </p:nvPicPr>
+                    <p:blipFill>
+                      <a:blip r:embed="rId4">
+                        <a:extLst>
+                          <a:ext uri="{28A0092B-C50C-407E-A947-70E740481C1C}">
+                            <a14:useLocalDpi xmlns:a14="http://schemas.microsoft.com/office/drawing/2010/main" val="0"/>
+                          </a:ext>
+                        </a:extLst>
+                      </a:blip>
+                      <a:srcRect/>
+                      <a:stretch>
+                        <a:fillRect/>
+                      </a:stretch>
+                    </p:blipFill>
+                    <p:spPr bwMode="auto">
+                      <a:xfrm>
+                        <a:off x="-126171" y="151936"/>
+                        <a:ext cx="6975858" cy="6493287"/>
+                      </a:xfrm>
+                      <a:prstGeom prst="rect">
+                        <a:avLst/>
+                      </a:prstGeom>
+                      <a:noFill/>
+                    </p:spPr>
+                  </p:pic>
+                </p:oleObj>
+              </mc:Fallback>
+            </mc:AlternateContent>
+          </a:graphicData>
+        </a:graphic>
+      </p:graphicFrame>
       <p:sp>
         <p:nvSpPr>
           <p:cNvPr id="2" name="Title 1"/>
@@ -14297,22 +15818,29 @@
             <p:ph type="title"/>
           </p:nvPr>
         </p:nvSpPr>
-        <p:spPr/>
-        <p:txBody>
-          <a:bodyPr/>
+        <p:spPr>
+          <a:xfrm>
+            <a:off x="1146705" y="-27769"/>
+            <a:ext cx="3856037" cy="1639884"/>
+          </a:xfrm>
+        </p:spPr>
+        <p:txBody>
+          <a:bodyPr>
+            <a:normAutofit/>
+          </a:bodyPr>
           <a:lstStyle/>
           <a:p>
             <a:r>
-              <a:rPr lang="en-US" dirty="0" smtClean="0"/>
-              <a:t>Approach</a:t>
-            </a:r>
-            <a:endParaRPr lang="en-US" dirty="0"/>
-          </a:p>
-        </p:txBody>
-      </p:sp>
-      <p:sp>
-        <p:nvSpPr>
-          <p:cNvPr id="3" name="Content Placeholder 2"/>
+              <a:rPr lang="en-US" sz="3600" dirty="0" smtClean="0"/>
+              <a:t>Design</a:t>
+            </a:r>
+            <a:endParaRPr lang="en-US" sz="3600" dirty="0"/>
+          </a:p>
+        </p:txBody>
+      </p:sp>
+      <p:sp>
+        <p:nvSpPr>
+          <p:cNvPr id="5" name="Text Placeholder 4"/>
           <p:cNvSpPr>
             <a:spLocks noGrp="1"/>
           </p:cNvSpPr>
@@ -14320,9 +15848,205 @@
             <p:ph idx="1"/>
           </p:nvPr>
         </p:nvSpPr>
-        <p:spPr/>
-        <p:txBody>
-          <a:bodyPr/>
+        <p:spPr>
+          <a:xfrm>
+            <a:off x="6849687" y="900236"/>
+            <a:ext cx="5891209" cy="5198534"/>
+          </a:xfrm>
+        </p:spPr>
+        <p:txBody>
+          <a:bodyPr anchor="t"/>
+          <a:lstStyle/>
+          <a:p>
+            <a:r>
+              <a:rPr lang="en-US" dirty="0" smtClean="0"/>
+              <a:t>Selection of motion detection</a:t>
+            </a:r>
+          </a:p>
+          <a:p>
+            <a:r>
+              <a:rPr lang="en-US" dirty="0" smtClean="0"/>
+              <a:t>Selection of Microcontroller</a:t>
+            </a:r>
+          </a:p>
+          <a:p>
+            <a:r>
+              <a:rPr lang="en-US" dirty="0"/>
+              <a:t>Selection of communication</a:t>
+            </a:r>
+          </a:p>
+          <a:p>
+            <a:r>
+              <a:rPr lang="en-US" dirty="0" smtClean="0"/>
+              <a:t>Selection of </a:t>
+            </a:r>
+            <a:r>
+              <a:rPr lang="en-US" dirty="0" smtClean="0"/>
+              <a:t>Actuator</a:t>
+            </a:r>
+          </a:p>
+          <a:p>
+            <a:r>
+              <a:rPr lang="en-US" dirty="0" smtClean="0"/>
+              <a:t>Selection of battery power</a:t>
+            </a:r>
+            <a:endParaRPr lang="en-US" dirty="0" smtClean="0"/>
+          </a:p>
+          <a:p>
+            <a:r>
+              <a:rPr lang="en-US" dirty="0" smtClean="0"/>
+              <a:t>Design of schematic</a:t>
+            </a:r>
+          </a:p>
+          <a:p>
+            <a:r>
+              <a:rPr lang="en-US" dirty="0" smtClean="0"/>
+              <a:t>Design of </a:t>
+            </a:r>
+            <a:r>
+              <a:rPr lang="en-US" dirty="0" smtClean="0"/>
+              <a:t>PCB</a:t>
+            </a:r>
+          </a:p>
+          <a:p>
+            <a:r>
+              <a:rPr lang="en-US" dirty="0" smtClean="0"/>
+              <a:t>Housing</a:t>
+            </a:r>
+            <a:endParaRPr lang="en-US" dirty="0"/>
+          </a:p>
+        </p:txBody>
+      </p:sp>
+      <p:sp>
+        <p:nvSpPr>
+          <p:cNvPr id="6" name="WordArt 2"/>
+          <p:cNvSpPr>
+            <a:spLocks noChangeArrowheads="1" noChangeShapeType="1" noTextEdit="1"/>
+          </p:cNvSpPr>
+          <p:nvPr/>
+        </p:nvSpPr>
+        <p:spPr bwMode="auto">
+          <a:xfrm>
+            <a:off x="9706840" y="6317029"/>
+            <a:ext cx="2171700" cy="269875"/>
+          </a:xfrm>
+          <a:prstGeom prst="rect">
+            <a:avLst/>
+          </a:prstGeom>
+          <a:extLst>
+            <a:ext uri="{AF507438-7753-43E0-B8FC-AC1667EBCBE1}">
+              <a14:hiddenEffects xmlns:a14="http://schemas.microsoft.com/office/drawing/2010/main">
+                <a:effectLst/>
+              </a14:hiddenEffects>
+            </a:ext>
+          </a:extLst>
+        </p:spPr>
+        <p:txBody>
+          <a:bodyPr wrap="none" fromWordArt="1">
+            <a:prstTxWarp prst="textPlain">
+              <a:avLst>
+                <a:gd name="adj" fmla="val 50000"/>
+              </a:avLst>
+            </a:prstTxWarp>
+          </a:bodyPr>
+          <a:lstStyle/>
+          <a:p>
+            <a:pPr algn="ctr" rtl="0">
+              <a:buNone/>
+            </a:pPr>
+            <a:r>
+              <a:rPr lang="en-US" sz="3600" kern="10" spc="0" smtClean="0">
+                <a:ln w="9525">
+                  <a:solidFill>
+                    <a:srgbClr val="000000"/>
+                  </a:solidFill>
+                  <a:round/>
+                  <a:headEnd/>
+                  <a:tailEnd/>
+                </a:ln>
+                <a:solidFill>
+                  <a:srgbClr val="FFFFFF"/>
+                </a:solidFill>
+                <a:effectLst/>
+                <a:latin typeface="Arial Black" panose="020B0A04020102020204" pitchFamily="34" charset="0"/>
+              </a:rPr>
+              <a:t>SignalSenders</a:t>
+            </a:r>
+            <a:endParaRPr lang="en-US" sz="3600" kern="10" spc="0">
+              <a:ln w="9525">
+                <a:solidFill>
+                  <a:srgbClr val="000000"/>
+                </a:solidFill>
+                <a:round/>
+                <a:headEnd/>
+                <a:tailEnd/>
+              </a:ln>
+              <a:solidFill>
+                <a:srgbClr val="FFFFFF"/>
+              </a:solidFill>
+              <a:effectLst/>
+              <a:latin typeface="Arial Black" panose="020B0A04020102020204" pitchFamily="34" charset="0"/>
+            </a:endParaRPr>
+          </a:p>
+        </p:txBody>
+      </p:sp>
+      <p:sp>
+        <p:nvSpPr>
+          <p:cNvPr id="4" name="Rectangle 2"/>
+          <p:cNvSpPr>
+            <a:spLocks noChangeArrowheads="1"/>
+          </p:cNvSpPr>
+          <p:nvPr/>
+        </p:nvSpPr>
+        <p:spPr bwMode="auto">
+          <a:xfrm>
+            <a:off x="0" y="0"/>
+            <a:ext cx="12192000" cy="0"/>
+          </a:xfrm>
+          <a:prstGeom prst="rect">
+            <a:avLst/>
+          </a:prstGeom>
+          <a:noFill/>
+          <a:ln>
+            <a:noFill/>
+          </a:ln>
+          <a:effectLst/>
+          <a:extLst>
+            <a:ext uri="{909E8E84-426E-40DD-AFC4-6F175D3DCCD1}">
+              <a14:hiddenFill xmlns:a14="http://schemas.microsoft.com/office/drawing/2010/main">
+                <a:solidFill>
+                  <a:schemeClr val="accent1"/>
+                </a:solidFill>
+              </a14:hiddenFill>
+            </a:ext>
+            <a:ext uri="{91240B29-F687-4F45-9708-019B960494DF}">
+              <a14:hiddenLine xmlns:a14="http://schemas.microsoft.com/office/drawing/2010/main" w="9525">
+                <a:solidFill>
+                  <a:schemeClr val="tx1"/>
+                </a:solidFill>
+                <a:miter lim="800000"/>
+                <a:headEnd/>
+                <a:tailEnd/>
+              </a14:hiddenLine>
+            </a:ext>
+            <a:ext uri="{AF507438-7753-43E0-B8FC-AC1667EBCBE1}">
+              <a14:hiddenEffects xmlns:a14="http://schemas.microsoft.com/office/drawing/2010/main">
+                <a:effectLst>
+                  <a:outerShdw dist="35921" dir="2700000" algn="ctr" rotWithShape="0">
+                    <a:schemeClr val="bg2"/>
+                  </a:outerShdw>
+                </a:effectLst>
+              </a14:hiddenEffects>
+            </a:ext>
+          </a:extLst>
+        </p:spPr>
+        <p:txBody>
+          <a:bodyPr vert="horz" wrap="none" lIns="91440" tIns="45720" rIns="91440" bIns="45720" numCol="1" anchor="ctr" anchorCtr="0" compatLnSpc="1">
+            <a:prstTxWarp prst="textNoShape">
+              <a:avLst/>
+            </a:prstTxWarp>
+            <a:spAutoFit/>
+          </a:bodyPr>
           <a:lstStyle/>
           <a:p>
             <a:endParaRPr lang="en-US"/>
@@ -14332,7 +16056,7 @@
     </p:spTree>
     <p:extLst>
       <p:ext uri="{BB962C8B-B14F-4D97-AF65-F5344CB8AC3E}">
-        <p14:creationId xmlns:p14="http://schemas.microsoft.com/office/powerpoint/2010/main" val="1718909740"/>
+        <p14:creationId xmlns:p14="http://schemas.microsoft.com/office/powerpoint/2010/main" val="30870409"/>
       </p:ext>
     </p:extLst>
   </p:cSld>
@@ -14378,9 +16102,18 @@
         </p:nvSpPr>
         <p:spPr/>
         <p:txBody>
-          <a:bodyPr/>
+          <a:bodyPr>
+            <a:noAutofit/>
+          </a:bodyPr>
           <a:lstStyle/>
           <a:p>
+            <a:r>
+              <a:rPr lang="en-US" dirty="0" smtClean="0"/>
+              <a:t>Infrared motion sensor</a:t>
+            </a:r>
+            <a:br>
+              <a:rPr lang="en-US" dirty="0" smtClean="0"/>
+            </a:br>
             <a:r>
               <a:rPr lang="en-US" dirty="0" smtClean="0"/>
               <a:t>Design</a:t>
@@ -14391,60 +16124,19 @@
       </p:sp>
       <p:sp>
         <p:nvSpPr>
-          <p:cNvPr id="5" name="Text Placeholder 4"/>
+          <p:cNvPr id="3" name="Picture Placeholder 2"/>
           <p:cNvSpPr>
             <a:spLocks noGrp="1"/>
           </p:cNvSpPr>
           <p:nvPr>
-            <p:ph idx="1"/>
+            <p:ph type="pic" idx="1"/>
           </p:nvPr>
         </p:nvSpPr>
         <p:spPr/>
-        <p:txBody>
-          <a:bodyPr anchor="t"/>
-          <a:lstStyle/>
-          <a:p>
-            <a:r>
-              <a:rPr lang="en-US" dirty="0" smtClean="0"/>
-              <a:t>Selection of motion detection</a:t>
-            </a:r>
-          </a:p>
-          <a:p>
-            <a:r>
-              <a:rPr lang="en-US" dirty="0" smtClean="0"/>
-              <a:t>Selection of communication</a:t>
-            </a:r>
-          </a:p>
-          <a:p>
-            <a:r>
-              <a:rPr lang="en-US" dirty="0" smtClean="0"/>
-              <a:t>Selection of Microcontroller</a:t>
-            </a:r>
-          </a:p>
-          <a:p>
-            <a:r>
-              <a:rPr lang="en-US" dirty="0" smtClean="0"/>
-              <a:t>Selection of Actuator</a:t>
-            </a:r>
-          </a:p>
-          <a:p>
-            <a:r>
-              <a:rPr lang="en-US" dirty="0" smtClean="0"/>
-              <a:t>Design of schematic</a:t>
-            </a:r>
-          </a:p>
-          <a:p>
-            <a:r>
-              <a:rPr lang="en-US" dirty="0" smtClean="0"/>
-              <a:t>Design of PCB</a:t>
-            </a:r>
-            <a:endParaRPr lang="en-US" dirty="0"/>
-          </a:p>
-        </p:txBody>
-      </p:sp>
-      <p:sp>
-        <p:nvSpPr>
-          <p:cNvPr id="3" name="Text Placeholder 2"/>
+      </p:sp>
+      <p:sp>
+        <p:nvSpPr>
+          <p:cNvPr id="4" name="Text Placeholder 3"/>
           <p:cNvSpPr>
             <a:spLocks noGrp="1"/>
           </p:cNvSpPr>
@@ -14457,14 +16149,111 @@
           <a:bodyPr/>
           <a:lstStyle/>
           <a:p>
+            <a:pPr marL="285750" indent="-285750">
+              <a:buFont typeface="Arial" panose="020B0604020202020204" pitchFamily="34" charset="0"/>
+              <a:buChar char="•"/>
+            </a:pPr>
+            <a:r>
+              <a:rPr lang="en-US" sz="3200" dirty="0" smtClean="0"/>
+              <a:t>Range</a:t>
+            </a:r>
+          </a:p>
+          <a:p>
+            <a:pPr marL="285750" indent="-285750">
+              <a:buFont typeface="Arial" panose="020B0604020202020204" pitchFamily="34" charset="0"/>
+              <a:buChar char="•"/>
+            </a:pPr>
+            <a:r>
+              <a:rPr lang="en-US" sz="3200" dirty="0" smtClean="0"/>
+              <a:t>Output of Signal</a:t>
+            </a:r>
+          </a:p>
+          <a:p>
+            <a:pPr marL="285750" indent="-285750">
+              <a:buFont typeface="Arial" panose="020B0604020202020204" pitchFamily="34" charset="0"/>
+              <a:buChar char="•"/>
+            </a:pPr>
             <a:endParaRPr lang="en-US" dirty="0"/>
+          </a:p>
+        </p:txBody>
+      </p:sp>
+      <p:sp>
+        <p:nvSpPr>
+          <p:cNvPr id="5" name="WordArt 2"/>
+          <p:cNvSpPr>
+            <a:spLocks noChangeArrowheads="1" noChangeShapeType="1" noTextEdit="1"/>
+          </p:cNvSpPr>
+          <p:nvPr/>
+        </p:nvSpPr>
+        <p:spPr bwMode="auto">
+          <a:xfrm>
+            <a:off x="9706840" y="6317029"/>
+            <a:ext cx="2171700" cy="269875"/>
+          </a:xfrm>
+          <a:prstGeom prst="rect">
+            <a:avLst/>
+          </a:prstGeom>
+          <a:extLst>
+            <a:ext uri="{AF507438-7753-43E0-B8FC-AC1667EBCBE1}">
+              <a14:hiddenEffects xmlns:a14="http://schemas.microsoft.com/office/drawing/2010/main">
+                <a:effectLst/>
+              </a14:hiddenEffects>
+            </a:ext>
+          </a:extLst>
+        </p:spPr>
+        <p:txBody>
+          <a:bodyPr wrap="none" fromWordArt="1">
+            <a:prstTxWarp prst="textPlain">
+              <a:avLst>
+                <a:gd name="adj" fmla="val 50000"/>
+              </a:avLst>
+            </a:prstTxWarp>
+          </a:bodyPr>
+          <a:lstStyle/>
+          <a:p>
+            <a:pPr algn="ctr" rtl="0">
+              <a:buNone/>
+            </a:pPr>
+            <a:r>
+              <a:rPr lang="en-US" sz="3600" kern="10" spc="0" smtClean="0">
+                <a:ln w="9525">
+                  <a:solidFill>
+                    <a:srgbClr val="000000"/>
+                  </a:solidFill>
+                  <a:round/>
+                  <a:headEnd/>
+                  <a:tailEnd/>
+                </a:ln>
+                <a:solidFill>
+                  <a:srgbClr val="FFFFFF"/>
+                </a:solidFill>
+                <a:effectLst/>
+                <a:latin typeface="Arial Black" panose="020B0A04020102020204" pitchFamily="34" charset="0"/>
+              </a:rPr>
+              <a:t>SignalSenders</a:t>
+            </a:r>
+            <a:endParaRPr lang="en-US" sz="3600" kern="10" spc="0">
+              <a:ln w="9525">
+                <a:solidFill>
+                  <a:srgbClr val="000000"/>
+                </a:solidFill>
+                <a:round/>
+                <a:headEnd/>
+                <a:tailEnd/>
+              </a:ln>
+              <a:solidFill>
+                <a:srgbClr val="FFFFFF"/>
+              </a:solidFill>
+              <a:effectLst/>
+              <a:latin typeface="Arial Black" panose="020B0A04020102020204" pitchFamily="34" charset="0"/>
+            </a:endParaRPr>
           </a:p>
         </p:txBody>
       </p:sp>
     </p:spTree>
     <p:extLst>
       <p:ext uri="{BB962C8B-B14F-4D97-AF65-F5344CB8AC3E}">
-        <p14:creationId xmlns:p14="http://schemas.microsoft.com/office/powerpoint/2010/main" val="30870409"/>
+        <p14:creationId xmlns:p14="http://schemas.microsoft.com/office/powerpoint/2010/main" val="3180631116"/>
       </p:ext>
     </p:extLst>
   </p:cSld>
@@ -14510,21 +16299,12 @@
         </p:nvSpPr>
         <p:spPr/>
         <p:txBody>
-          <a:bodyPr>
-            <a:noAutofit/>
-          </a:bodyPr>
+          <a:bodyPr/>
           <a:lstStyle/>
           <a:p>
             <a:r>
               <a:rPr lang="en-US" dirty="0" smtClean="0"/>
-              <a:t>Infrared motion sensor</a:t>
-            </a:r>
-            <a:br>
-              <a:rPr lang="en-US" dirty="0" smtClean="0"/>
-            </a:br>
-            <a:r>
-              <a:rPr lang="en-US" dirty="0" smtClean="0"/>
-              <a:t>Design</a:t>
+              <a:t>Radio frequency Communication</a:t>
             </a:r>
             <a:endParaRPr lang="en-US" dirty="0"/>
           </a:p>
@@ -14554,7 +16334,9 @@
         </p:nvSpPr>
         <p:spPr/>
         <p:txBody>
-          <a:bodyPr/>
+          <a:bodyPr>
+            <a:normAutofit/>
+          </a:bodyPr>
           <a:lstStyle/>
           <a:p>
             <a:pPr marL="285750" indent="-285750">
@@ -14563,7 +16345,7 @@
             </a:pPr>
             <a:r>
               <a:rPr lang="en-US" sz="3200" dirty="0" smtClean="0"/>
-              <a:t>Range</a:t>
+              <a:t>Communication to send</a:t>
             </a:r>
           </a:p>
           <a:p>
@@ -14573,22 +16355,93 @@
             </a:pPr>
             <a:r>
               <a:rPr lang="en-US" sz="3200" dirty="0" smtClean="0"/>
-              <a:t>Output of Signal</a:t>
-            </a:r>
-          </a:p>
-          <a:p>
-            <a:pPr marL="285750" indent="-285750">
-              <a:buFont typeface="Arial" panose="020B0604020202020204" pitchFamily="34" charset="0"/>
-              <a:buChar char="•"/>
+              <a:t>Communication to </a:t>
+            </a:r>
+            <a:r>
+              <a:rPr lang="en-US" sz="3200" dirty="0" err="1" smtClean="0"/>
+              <a:t>recieve</a:t>
+            </a:r>
+            <a:endParaRPr lang="en-US" sz="3200" dirty="0"/>
+          </a:p>
+        </p:txBody>
+      </p:sp>
+      <p:sp>
+        <p:nvSpPr>
+          <p:cNvPr id="5" name="WordArt 2"/>
+          <p:cNvSpPr>
+            <a:spLocks noChangeArrowheads="1" noChangeShapeType="1" noTextEdit="1"/>
+          </p:cNvSpPr>
+          <p:nvPr/>
+        </p:nvSpPr>
+        <p:spPr bwMode="auto">
+          <a:xfrm>
+            <a:off x="9706840" y="6317029"/>
+            <a:ext cx="2171700" cy="269875"/>
+          </a:xfrm>
+          <a:prstGeom prst="rect">
+            <a:avLst/>
+          </a:prstGeom>
+          <a:extLst>
+            <a:ext uri="{AF507438-7753-43E0-B8FC-AC1667EBCBE1}">
+              <a14:hiddenEffects xmlns:a14="http://schemas.microsoft.com/office/drawing/2010/main">
+                <a:effectLst/>
+              </a14:hiddenEffects>
+            </a:ext>
+          </a:extLst>
+        </p:spPr>
+        <p:txBody>
+          <a:bodyPr wrap="none" fromWordArt="1">
+            <a:prstTxWarp prst="textPlain">
+              <a:avLst>
+                <a:gd name="adj" fmla="val 50000"/>
+              </a:avLst>
+            </a:prstTxWarp>
+          </a:bodyPr>
+          <a:lstStyle/>
+          <a:p>
+            <a:pPr algn="ctr" rtl="0">
+              <a:buNone/>
             </a:pPr>
-            <a:endParaRPr lang="en-US" dirty="0"/>
+            <a:r>
+              <a:rPr lang="en-US" sz="3600" kern="10" spc="0" smtClean="0">
+                <a:ln w="9525">
+                  <a:solidFill>
+                    <a:srgbClr val="000000"/>
+                  </a:solidFill>
+                  <a:round/>
+                  <a:headEnd/>
+                  <a:tailEnd/>
+                </a:ln>
+                <a:solidFill>
+                  <a:srgbClr val="FFFFFF"/>
+                </a:solidFill>
+                <a:effectLst/>
+                <a:latin typeface="Arial Black" panose="020B0A04020102020204" pitchFamily="34" charset="0"/>
+              </a:rPr>
+              <a:t>SignalSenders</a:t>
+            </a:r>
+            <a:endParaRPr lang="en-US" sz="3600" kern="10" spc="0">
+              <a:ln w="9525">
+                <a:solidFill>
+                  <a:srgbClr val="000000"/>
+                </a:solidFill>
+                <a:round/>
+                <a:headEnd/>
+                <a:tailEnd/>
+              </a:ln>
+              <a:solidFill>
+                <a:srgbClr val="FFFFFF"/>
+              </a:solidFill>
+              <a:effectLst/>
+              <a:latin typeface="Arial Black" panose="020B0A04020102020204" pitchFamily="34" charset="0"/>
+            </a:endParaRPr>
           </a:p>
         </p:txBody>
       </p:sp>
     </p:spTree>
     <p:extLst>
       <p:ext uri="{BB962C8B-B14F-4D97-AF65-F5344CB8AC3E}">
-        <p14:creationId xmlns:p14="http://schemas.microsoft.com/office/powerpoint/2010/main" val="3180631116"/>
+        <p14:creationId xmlns:p14="http://schemas.microsoft.com/office/powerpoint/2010/main" val="852862794"/>
       </p:ext>
     </p:extLst>
   </p:cSld>
